--- a/index.pptx
+++ b/index.pptx
@@ -5,7 +5,7 @@
     <p:sldMasterId id="2147483672" r:id="rId1"/>
   </p:sldMasterIdLst>
   <p:notesMasterIdLst>
-    <p:notesMasterId r:id="rId33"/>
+    <p:notesMasterId r:id="rId35"/>
   </p:notesMasterIdLst>
   <p:sldIdLst>
     <p:sldId id="256" r:id="rId2"/>
@@ -39,6 +39,8 @@
     <p:sldId id="474" r:id="rId30"/>
     <p:sldId id="475" r:id="rId31"/>
     <p:sldId id="477" r:id="rId32"/>
+    <p:sldId id="478" r:id="rId33"/>
+    <p:sldId id="479" r:id="rId34"/>
   </p:sldIdLst>
   <p:sldSz cx="12192000" cy="6858000"/>
   <p:notesSz cx="6858000" cy="9144000"/>
@@ -238,7 +240,7 @@
           <a:p>
             <a:fld id="{9F9A982F-7DCF-41BF-923E-274CBF2AC153}" type="datetimeFigureOut">
               <a:rPr lang="zh-CN" altLang="en-US" smtClean="0"/>
-              <a:t>2019/9/15</a:t>
+              <a:t>2019/9/17</a:t>
             </a:fld>
             <a:endParaRPr lang="zh-CN" altLang="en-US"/>
           </a:p>
@@ -888,13 +890,13 @@
   <p:clrMapOvr>
     <a:masterClrMapping/>
   </p:clrMapOvr>
-  <mc:AlternateContent xmlns:mc="http://schemas.openxmlformats.org/markup-compatibility/2006">
-    <mc:Choice xmlns:p14="http://schemas.microsoft.com/office/powerpoint/2010/main" Requires="p14">
+  <mc:AlternateContent xmlns:mc="http://schemas.openxmlformats.org/markup-compatibility/2006" xmlns:p14="http://schemas.microsoft.com/office/powerpoint/2010/main">
+    <mc:Choice Requires="p14">
       <p:transition spd="slow" p14:dur="1600">
         <p14:gallery dir="l"/>
       </p:transition>
     </mc:Choice>
-    <mc:Fallback>
+    <mc:Fallback xmlns="">
       <p:transition spd="slow">
         <p:fade/>
       </p:transition>
@@ -1007,7 +1009,7 @@
           <a:p>
             <a:fld id="{9E66956F-FB34-48D3-AB80-9A0A78690187}" type="datetimeFigureOut">
               <a:rPr lang="zh-CN" altLang="en-US" smtClean="0"/>
-              <a:t>2019/9/15</a:t>
+              <a:t>2019/9/17</a:t>
             </a:fld>
             <a:endParaRPr lang="zh-CN" altLang="en-US"/>
           </a:p>
@@ -1081,13 +1083,13 @@
   <p:clrMapOvr>
     <a:masterClrMapping/>
   </p:clrMapOvr>
-  <mc:AlternateContent xmlns:mc="http://schemas.openxmlformats.org/markup-compatibility/2006">
-    <mc:Choice xmlns:p14="http://schemas.microsoft.com/office/powerpoint/2010/main" Requires="p14">
+  <mc:AlternateContent xmlns:mc="http://schemas.openxmlformats.org/markup-compatibility/2006" xmlns:p14="http://schemas.microsoft.com/office/powerpoint/2010/main">
+    <mc:Choice Requires="p14">
       <p:transition spd="slow" p14:dur="1600">
         <p14:gallery dir="l"/>
       </p:transition>
     </mc:Choice>
-    <mc:Fallback>
+    <mc:Fallback xmlns="">
       <p:transition spd="slow">
         <p:fade/>
       </p:transition>
@@ -1165,7 +1167,7 @@
           <a:p>
             <a:fld id="{9E66956F-FB34-48D3-AB80-9A0A78690187}" type="datetimeFigureOut">
               <a:rPr lang="zh-CN" altLang="en-US" smtClean="0"/>
-              <a:t>2019/9/15</a:t>
+              <a:t>2019/9/17</a:t>
             </a:fld>
             <a:endParaRPr lang="zh-CN" altLang="en-US"/>
           </a:p>
@@ -1321,13 +1323,13 @@
   <p:clrMapOvr>
     <a:masterClrMapping/>
   </p:clrMapOvr>
-  <mc:AlternateContent xmlns:mc="http://schemas.openxmlformats.org/markup-compatibility/2006">
-    <mc:Choice xmlns:p14="http://schemas.microsoft.com/office/powerpoint/2010/main" Requires="p14">
+  <mc:AlternateContent xmlns:mc="http://schemas.openxmlformats.org/markup-compatibility/2006" xmlns:p14="http://schemas.microsoft.com/office/powerpoint/2010/main">
+    <mc:Choice Requires="p14">
       <p:transition spd="slow" p14:dur="1600">
         <p14:gallery dir="l"/>
       </p:transition>
     </mc:Choice>
-    <mc:Fallback>
+    <mc:Fallback xmlns="">
       <p:transition spd="slow">
         <p:fade/>
       </p:transition>
@@ -1533,7 +1535,7 @@
           <a:p>
             <a:fld id="{9E66956F-FB34-48D3-AB80-9A0A78690187}" type="datetimeFigureOut">
               <a:rPr lang="zh-CN" altLang="en-US" smtClean="0"/>
-              <a:t>2019/9/15</a:t>
+              <a:t>2019/9/17</a:t>
             </a:fld>
             <a:endParaRPr lang="zh-CN" altLang="en-US"/>
           </a:p>
@@ -1630,13 +1632,13 @@
     <p:sldLayoutId id="2147483674" r:id="rId2"/>
     <p:sldLayoutId id="2147483675" r:id="rId3"/>
   </p:sldLayoutIdLst>
-  <mc:AlternateContent xmlns:mc="http://schemas.openxmlformats.org/markup-compatibility/2006">
-    <mc:Choice xmlns:p14="http://schemas.microsoft.com/office/powerpoint/2010/main" Requires="p14">
+  <mc:AlternateContent xmlns:mc="http://schemas.openxmlformats.org/markup-compatibility/2006" xmlns:p14="http://schemas.microsoft.com/office/powerpoint/2010/main">
+    <mc:Choice Requires="p14">
       <p:transition spd="slow" p14:dur="1600">
         <p14:gallery dir="l"/>
       </p:transition>
     </mc:Choice>
-    <mc:Fallback>
+    <mc:Fallback xmlns="">
       <p:transition spd="slow">
         <p:fade/>
       </p:transition>
@@ -2050,13 +2052,13 @@
   <p:clrMapOvr>
     <a:masterClrMapping/>
   </p:clrMapOvr>
-  <mc:AlternateContent xmlns:mc="http://schemas.openxmlformats.org/markup-compatibility/2006">
-    <mc:Choice xmlns:p14="http://schemas.microsoft.com/office/powerpoint/2010/main" Requires="p14">
+  <mc:AlternateContent xmlns:mc="http://schemas.openxmlformats.org/markup-compatibility/2006" xmlns:p14="http://schemas.microsoft.com/office/powerpoint/2010/main">
+    <mc:Choice Requires="p14">
       <p:transition spd="slow" p14:dur="1600">
         <p14:gallery dir="l"/>
       </p:transition>
     </mc:Choice>
-    <mc:Fallback>
+    <mc:Fallback xmlns="">
       <p:transition spd="slow">
         <p:fade/>
       </p:transition>
@@ -2222,13 +2224,13 @@
   <p:clrMapOvr>
     <a:masterClrMapping/>
   </p:clrMapOvr>
-  <mc:AlternateContent xmlns:mc="http://schemas.openxmlformats.org/markup-compatibility/2006">
-    <mc:Choice xmlns:p14="http://schemas.microsoft.com/office/powerpoint/2010/main" Requires="p14">
+  <mc:AlternateContent xmlns:mc="http://schemas.openxmlformats.org/markup-compatibility/2006" xmlns:p14="http://schemas.microsoft.com/office/powerpoint/2010/main">
+    <mc:Choice Requires="p14">
       <p:transition spd="slow" p14:dur="1600">
         <p14:gallery dir="l"/>
       </p:transition>
     </mc:Choice>
-    <mc:Fallback>
+    <mc:Fallback xmlns="">
       <p:transition spd="slow">
         <p:fade/>
       </p:transition>
@@ -2720,13 +2722,13 @@
   <p:clrMapOvr>
     <a:masterClrMapping/>
   </p:clrMapOvr>
-  <mc:AlternateContent xmlns:mc="http://schemas.openxmlformats.org/markup-compatibility/2006">
-    <mc:Choice xmlns:p14="http://schemas.microsoft.com/office/powerpoint/2010/main" Requires="p14">
+  <mc:AlternateContent xmlns:mc="http://schemas.openxmlformats.org/markup-compatibility/2006" xmlns:p14="http://schemas.microsoft.com/office/powerpoint/2010/main">
+    <mc:Choice Requires="p14">
       <p:transition spd="slow" p14:dur="1600">
         <p14:gallery dir="l"/>
       </p:transition>
     </mc:Choice>
-    <mc:Fallback>
+    <mc:Fallback xmlns="">
       <p:transition spd="slow">
         <p:fade/>
       </p:transition>
@@ -3167,13 +3169,13 @@
   <p:clrMapOvr>
     <a:masterClrMapping/>
   </p:clrMapOvr>
-  <mc:AlternateContent xmlns:mc="http://schemas.openxmlformats.org/markup-compatibility/2006">
-    <mc:Choice xmlns:p14="http://schemas.microsoft.com/office/powerpoint/2010/main" Requires="p14">
+  <mc:AlternateContent xmlns:mc="http://schemas.openxmlformats.org/markup-compatibility/2006" xmlns:p14="http://schemas.microsoft.com/office/powerpoint/2010/main">
+    <mc:Choice Requires="p14">
       <p:transition spd="slow" p14:dur="1600">
         <p14:gallery dir="l"/>
       </p:transition>
     </mc:Choice>
-    <mc:Fallback>
+    <mc:Fallback xmlns="">
       <p:transition spd="slow">
         <p:fade/>
       </p:transition>
@@ -3558,13 +3560,13 @@
   <p:clrMapOvr>
     <a:masterClrMapping/>
   </p:clrMapOvr>
-  <mc:AlternateContent xmlns:mc="http://schemas.openxmlformats.org/markup-compatibility/2006">
-    <mc:Choice xmlns:p14="http://schemas.microsoft.com/office/powerpoint/2010/main" Requires="p14">
+  <mc:AlternateContent xmlns:mc="http://schemas.openxmlformats.org/markup-compatibility/2006" xmlns:p14="http://schemas.microsoft.com/office/powerpoint/2010/main">
+    <mc:Choice Requires="p14">
       <p:transition spd="slow" p14:dur="1600">
         <p14:gallery dir="l"/>
       </p:transition>
     </mc:Choice>
-    <mc:Fallback>
+    <mc:Fallback xmlns="">
       <p:transition spd="slow">
         <p:fade/>
       </p:transition>
@@ -3884,13 +3886,13 @@
   <p:clrMapOvr>
     <a:masterClrMapping/>
   </p:clrMapOvr>
-  <mc:AlternateContent xmlns:mc="http://schemas.openxmlformats.org/markup-compatibility/2006">
-    <mc:Choice xmlns:p14="http://schemas.microsoft.com/office/powerpoint/2010/main" Requires="p14">
+  <mc:AlternateContent xmlns:mc="http://schemas.openxmlformats.org/markup-compatibility/2006" xmlns:p14="http://schemas.microsoft.com/office/powerpoint/2010/main">
+    <mc:Choice Requires="p14">
       <p:transition spd="slow" p14:dur="1600">
         <p14:gallery dir="l"/>
       </p:transition>
     </mc:Choice>
-    <mc:Fallback>
+    <mc:Fallback xmlns="">
       <p:transition spd="slow">
         <p:fade/>
       </p:transition>
@@ -4295,13 +4297,13 @@
   <p:clrMapOvr>
     <a:masterClrMapping/>
   </p:clrMapOvr>
-  <mc:AlternateContent xmlns:mc="http://schemas.openxmlformats.org/markup-compatibility/2006">
-    <mc:Choice xmlns:p14="http://schemas.microsoft.com/office/powerpoint/2010/main" Requires="p14">
+  <mc:AlternateContent xmlns:mc="http://schemas.openxmlformats.org/markup-compatibility/2006" xmlns:p14="http://schemas.microsoft.com/office/powerpoint/2010/main">
+    <mc:Choice Requires="p14">
       <p:transition spd="slow" p14:dur="1600">
         <p14:gallery dir="l"/>
       </p:transition>
     </mc:Choice>
-    <mc:Fallback>
+    <mc:Fallback xmlns="">
       <p:transition spd="slow">
         <p:fade/>
       </p:transition>
@@ -5214,13 +5216,13 @@
   <p:clrMapOvr>
     <a:masterClrMapping/>
   </p:clrMapOvr>
-  <mc:AlternateContent xmlns:mc="http://schemas.openxmlformats.org/markup-compatibility/2006">
-    <mc:Choice xmlns:p14="http://schemas.microsoft.com/office/powerpoint/2010/main" Requires="p14">
+  <mc:AlternateContent xmlns:mc="http://schemas.openxmlformats.org/markup-compatibility/2006" xmlns:p14="http://schemas.microsoft.com/office/powerpoint/2010/main">
+    <mc:Choice Requires="p14">
       <p:transition spd="slow" p14:dur="1600">
         <p14:gallery dir="l"/>
       </p:transition>
     </mc:Choice>
-    <mc:Fallback>
+    <mc:Fallback xmlns="">
       <p:transition spd="slow">
         <p:fade/>
       </p:transition>
@@ -6024,13 +6026,13 @@
   <p:clrMapOvr>
     <a:masterClrMapping/>
   </p:clrMapOvr>
-  <mc:AlternateContent xmlns:mc="http://schemas.openxmlformats.org/markup-compatibility/2006">
-    <mc:Choice xmlns:p14="http://schemas.microsoft.com/office/powerpoint/2010/main" Requires="p14">
+  <mc:AlternateContent xmlns:mc="http://schemas.openxmlformats.org/markup-compatibility/2006" xmlns:p14="http://schemas.microsoft.com/office/powerpoint/2010/main">
+    <mc:Choice Requires="p14">
       <p:transition spd="slow" p14:dur="1600">
         <p14:gallery dir="l"/>
       </p:transition>
     </mc:Choice>
-    <mc:Fallback>
+    <mc:Fallback xmlns="">
       <p:transition spd="slow">
         <p:fade/>
       </p:transition>
@@ -6485,13 +6487,13 @@
   <p:clrMapOvr>
     <a:masterClrMapping/>
   </p:clrMapOvr>
-  <mc:AlternateContent xmlns:mc="http://schemas.openxmlformats.org/markup-compatibility/2006">
-    <mc:Choice xmlns:p14="http://schemas.microsoft.com/office/powerpoint/2010/main" Requires="p14">
+  <mc:AlternateContent xmlns:mc="http://schemas.openxmlformats.org/markup-compatibility/2006" xmlns:p14="http://schemas.microsoft.com/office/powerpoint/2010/main">
+    <mc:Choice Requires="p14">
       <p:transition spd="slow" p14:dur="1600">
         <p14:gallery dir="l"/>
       </p:transition>
     </mc:Choice>
-    <mc:Fallback>
+    <mc:Fallback xmlns="">
       <p:transition spd="slow">
         <p:fade/>
       </p:transition>
@@ -7091,13 +7093,13 @@
   <p:clrMapOvr>
     <a:masterClrMapping/>
   </p:clrMapOvr>
-  <mc:AlternateContent xmlns:mc="http://schemas.openxmlformats.org/markup-compatibility/2006">
-    <mc:Choice xmlns:p14="http://schemas.microsoft.com/office/powerpoint/2010/main" Requires="p14">
+  <mc:AlternateContent xmlns:mc="http://schemas.openxmlformats.org/markup-compatibility/2006" xmlns:p14="http://schemas.microsoft.com/office/powerpoint/2010/main">
+    <mc:Choice Requires="p14">
       <p:transition spd="slow" p14:dur="1600">
         <p14:gallery dir="l"/>
       </p:transition>
     </mc:Choice>
-    <mc:Fallback>
+    <mc:Fallback xmlns="">
       <p:transition spd="slow">
         <p:fade/>
       </p:transition>
@@ -7754,13 +7756,13 @@
   <p:clrMapOvr>
     <a:masterClrMapping/>
   </p:clrMapOvr>
-  <mc:AlternateContent xmlns:mc="http://schemas.openxmlformats.org/markup-compatibility/2006">
-    <mc:Choice xmlns:p14="http://schemas.microsoft.com/office/powerpoint/2010/main" Requires="p14">
+  <mc:AlternateContent xmlns:mc="http://schemas.openxmlformats.org/markup-compatibility/2006" xmlns:p14="http://schemas.microsoft.com/office/powerpoint/2010/main">
+    <mc:Choice Requires="p14">
       <p:transition spd="slow" p14:dur="1600">
         <p14:gallery dir="l"/>
       </p:transition>
     </mc:Choice>
-    <mc:Fallback>
+    <mc:Fallback xmlns="">
       <p:transition spd="slow">
         <p:fade/>
       </p:transition>
@@ -7916,13 +7918,13 @@
   <p:clrMapOvr>
     <a:masterClrMapping/>
   </p:clrMapOvr>
-  <mc:AlternateContent xmlns:mc="http://schemas.openxmlformats.org/markup-compatibility/2006">
-    <mc:Choice xmlns:p14="http://schemas.microsoft.com/office/powerpoint/2010/main" Requires="p14">
+  <mc:AlternateContent xmlns:mc="http://schemas.openxmlformats.org/markup-compatibility/2006" xmlns:p14="http://schemas.microsoft.com/office/powerpoint/2010/main">
+    <mc:Choice Requires="p14">
       <p:transition spd="slow" p14:dur="1600">
         <p14:gallery dir="l"/>
       </p:transition>
     </mc:Choice>
-    <mc:Fallback>
+    <mc:Fallback xmlns="">
       <p:transition spd="slow">
         <p:fade/>
       </p:transition>
@@ -8406,13 +8408,13 @@
   <p:clrMapOvr>
     <a:masterClrMapping/>
   </p:clrMapOvr>
-  <mc:AlternateContent xmlns:mc="http://schemas.openxmlformats.org/markup-compatibility/2006">
-    <mc:Choice xmlns:p14="http://schemas.microsoft.com/office/powerpoint/2010/main" Requires="p14">
+  <mc:AlternateContent xmlns:mc="http://schemas.openxmlformats.org/markup-compatibility/2006" xmlns:p14="http://schemas.microsoft.com/office/powerpoint/2010/main">
+    <mc:Choice Requires="p14">
       <p:transition spd="slow" p14:dur="1600">
         <p14:gallery dir="l"/>
       </p:transition>
     </mc:Choice>
-    <mc:Fallback>
+    <mc:Fallback xmlns="">
       <p:transition spd="slow">
         <p:fade/>
       </p:transition>
@@ -9330,13 +9332,13 @@
   <p:clrMapOvr>
     <a:masterClrMapping/>
   </p:clrMapOvr>
-  <mc:AlternateContent xmlns:mc="http://schemas.openxmlformats.org/markup-compatibility/2006">
-    <mc:Choice xmlns:p14="http://schemas.microsoft.com/office/powerpoint/2010/main" Requires="p14">
+  <mc:AlternateContent xmlns:mc="http://schemas.openxmlformats.org/markup-compatibility/2006" xmlns:p14="http://schemas.microsoft.com/office/powerpoint/2010/main">
+    <mc:Choice Requires="p14">
       <p:transition spd="slow" p14:dur="1600">
         <p14:gallery dir="l"/>
       </p:transition>
     </mc:Choice>
-    <mc:Fallback>
+    <mc:Fallback xmlns="">
       <p:transition spd="slow">
         <p:fade/>
       </p:transition>
@@ -10100,13 +10102,13 @@
   <p:clrMapOvr>
     <a:masterClrMapping/>
   </p:clrMapOvr>
-  <mc:AlternateContent xmlns:mc="http://schemas.openxmlformats.org/markup-compatibility/2006">
-    <mc:Choice xmlns:p14="http://schemas.microsoft.com/office/powerpoint/2010/main" Requires="p14">
+  <mc:AlternateContent xmlns:mc="http://schemas.openxmlformats.org/markup-compatibility/2006" xmlns:p14="http://schemas.microsoft.com/office/powerpoint/2010/main">
+    <mc:Choice Requires="p14">
       <p:transition spd="slow" p14:dur="1600">
         <p14:gallery dir="l"/>
       </p:transition>
     </mc:Choice>
-    <mc:Fallback>
+    <mc:Fallback xmlns="">
       <p:transition spd="slow">
         <p:fade/>
       </p:transition>
@@ -10732,13 +10734,13 @@
   <p:clrMapOvr>
     <a:masterClrMapping/>
   </p:clrMapOvr>
-  <mc:AlternateContent xmlns:mc="http://schemas.openxmlformats.org/markup-compatibility/2006">
-    <mc:Choice xmlns:p14="http://schemas.microsoft.com/office/powerpoint/2010/main" Requires="p14">
+  <mc:AlternateContent xmlns:mc="http://schemas.openxmlformats.org/markup-compatibility/2006" xmlns:p14="http://schemas.microsoft.com/office/powerpoint/2010/main">
+    <mc:Choice Requires="p14">
       <p:transition spd="slow" p14:dur="1600">
         <p14:gallery dir="l"/>
       </p:transition>
     </mc:Choice>
-    <mc:Fallback>
+    <mc:Fallback xmlns="">
       <p:transition spd="slow">
         <p:fade/>
       </p:transition>
@@ -11305,13 +11307,13 @@
   <p:clrMapOvr>
     <a:masterClrMapping/>
   </p:clrMapOvr>
-  <mc:AlternateContent xmlns:mc="http://schemas.openxmlformats.org/markup-compatibility/2006">
-    <mc:Choice xmlns:p14="http://schemas.microsoft.com/office/powerpoint/2010/main" Requires="p14">
+  <mc:AlternateContent xmlns:mc="http://schemas.openxmlformats.org/markup-compatibility/2006" xmlns:p14="http://schemas.microsoft.com/office/powerpoint/2010/main">
+    <mc:Choice Requires="p14">
       <p:transition spd="slow" p14:dur="1600">
         <p14:gallery dir="l"/>
       </p:transition>
     </mc:Choice>
-    <mc:Fallback>
+    <mc:Fallback xmlns="">
       <p:transition spd="slow">
         <p:fade/>
       </p:transition>
@@ -12023,13 +12025,13 @@
   <p:clrMapOvr>
     <a:masterClrMapping/>
   </p:clrMapOvr>
-  <mc:AlternateContent xmlns:mc="http://schemas.openxmlformats.org/markup-compatibility/2006">
-    <mc:Choice xmlns:p14="http://schemas.microsoft.com/office/powerpoint/2010/main" Requires="p14">
+  <mc:AlternateContent xmlns:mc="http://schemas.openxmlformats.org/markup-compatibility/2006" xmlns:p14="http://schemas.microsoft.com/office/powerpoint/2010/main">
+    <mc:Choice Requires="p14">
       <p:transition spd="slow" p14:dur="1600">
         <p14:gallery dir="l"/>
       </p:transition>
     </mc:Choice>
-    <mc:Fallback>
+    <mc:Fallback xmlns="">
       <p:transition spd="slow">
         <p:fade/>
       </p:transition>
@@ -12674,13 +12676,13 @@
   <p:clrMapOvr>
     <a:masterClrMapping/>
   </p:clrMapOvr>
-  <mc:AlternateContent xmlns:mc="http://schemas.openxmlformats.org/markup-compatibility/2006">
-    <mc:Choice xmlns:p14="http://schemas.microsoft.com/office/powerpoint/2010/main" Requires="p14">
+  <mc:AlternateContent xmlns:mc="http://schemas.openxmlformats.org/markup-compatibility/2006" xmlns:p14="http://schemas.microsoft.com/office/powerpoint/2010/main">
+    <mc:Choice Requires="p14">
       <p:transition spd="slow" p14:dur="1600">
         <p14:gallery dir="l"/>
       </p:transition>
     </mc:Choice>
-    <mc:Fallback>
+    <mc:Fallback xmlns="">
       <p:transition spd="slow">
         <p:fade/>
       </p:transition>
@@ -13455,13 +13457,13 @@
   <p:clrMapOvr>
     <a:masterClrMapping/>
   </p:clrMapOvr>
-  <mc:AlternateContent xmlns:mc="http://schemas.openxmlformats.org/markup-compatibility/2006">
-    <mc:Choice xmlns:p14="http://schemas.microsoft.com/office/powerpoint/2010/main" Requires="p14">
+  <mc:AlternateContent xmlns:mc="http://schemas.openxmlformats.org/markup-compatibility/2006" xmlns:p14="http://schemas.microsoft.com/office/powerpoint/2010/main">
+    <mc:Choice Requires="p14">
       <p:transition spd="slow" p14:dur="1600">
         <p14:gallery dir="l"/>
       </p:transition>
     </mc:Choice>
-    <mc:Fallback>
+    <mc:Fallback xmlns="">
       <p:transition spd="slow">
         <p:fade/>
       </p:transition>
@@ -13954,13 +13956,13 @@
   <p:clrMapOvr>
     <a:masterClrMapping/>
   </p:clrMapOvr>
-  <mc:AlternateContent xmlns:mc="http://schemas.openxmlformats.org/markup-compatibility/2006">
-    <mc:Choice xmlns:p14="http://schemas.microsoft.com/office/powerpoint/2010/main" Requires="p14">
+  <mc:AlternateContent xmlns:mc="http://schemas.openxmlformats.org/markup-compatibility/2006" xmlns:p14="http://schemas.microsoft.com/office/powerpoint/2010/main">
+    <mc:Choice Requires="p14">
       <p:transition spd="slow" p14:dur="1600">
         <p14:gallery dir="l"/>
       </p:transition>
     </mc:Choice>
-    <mc:Fallback>
+    <mc:Fallback xmlns="">
       <p:transition spd="slow">
         <p:fade/>
       </p:transition>
@@ -14319,13 +14321,13 @@
   <p:clrMapOvr>
     <a:masterClrMapping/>
   </p:clrMapOvr>
-  <mc:AlternateContent xmlns:mc="http://schemas.openxmlformats.org/markup-compatibility/2006">
-    <mc:Choice xmlns:p14="http://schemas.microsoft.com/office/powerpoint/2010/main" Requires="p14">
+  <mc:AlternateContent xmlns:mc="http://schemas.openxmlformats.org/markup-compatibility/2006" xmlns:p14="http://schemas.microsoft.com/office/powerpoint/2010/main">
+    <mc:Choice Requires="p14">
       <p:transition spd="slow" p14:dur="1600">
         <p14:gallery dir="l"/>
       </p:transition>
     </mc:Choice>
-    <mc:Fallback>
+    <mc:Fallback xmlns="">
       <p:transition spd="slow">
         <p:fade/>
       </p:transition>
@@ -14922,13 +14924,13 @@
   <p:clrMapOvr>
     <a:masterClrMapping/>
   </p:clrMapOvr>
-  <mc:AlternateContent xmlns:mc="http://schemas.openxmlformats.org/markup-compatibility/2006">
-    <mc:Choice xmlns:p14="http://schemas.microsoft.com/office/powerpoint/2010/main" Requires="p14">
+  <mc:AlternateContent xmlns:mc="http://schemas.openxmlformats.org/markup-compatibility/2006" xmlns:p14="http://schemas.microsoft.com/office/powerpoint/2010/main">
+    <mc:Choice Requires="p14">
       <p:transition spd="slow" p14:dur="1600">
         <p14:gallery dir="l"/>
       </p:transition>
     </mc:Choice>
-    <mc:Fallback>
+    <mc:Fallback xmlns="">
       <p:transition spd="slow">
         <p:fade/>
       </p:transition>
@@ -15604,18 +15606,1590 @@
   <p:clrMapOvr>
     <a:masterClrMapping/>
   </p:clrMapOvr>
-  <mc:AlternateContent xmlns:mc="http://schemas.openxmlformats.org/markup-compatibility/2006">
-    <mc:Choice xmlns:p14="http://schemas.microsoft.com/office/powerpoint/2010/main" Requires="p14">
+  <mc:AlternateContent xmlns:mc="http://schemas.openxmlformats.org/markup-compatibility/2006" xmlns:p14="http://schemas.microsoft.com/office/powerpoint/2010/main">
+    <mc:Choice Requires="p14">
       <p:transition spd="slow" p14:dur="1600">
         <p14:gallery dir="l"/>
       </p:transition>
     </mc:Choice>
-    <mc:Fallback>
+    <mc:Fallback xmlns="">
       <p:transition spd="slow">
         <p:fade/>
       </p:transition>
     </mc:Fallback>
   </mc:AlternateContent>
+  <p:timing>
+    <p:tnLst>
+      <p:par>
+        <p:cTn id="1" dur="indefinite" restart="never" nodeType="tmRoot">
+          <p:childTnLst>
+            <p:seq concurrent="1" nextAc="seek">
+              <p:cTn id="2" dur="indefinite" nodeType="mainSeq">
+                <p:childTnLst>
+                  <p:par>
+                    <p:cTn id="3" fill="hold">
+                      <p:stCondLst>
+                        <p:cond delay="indefinite"/>
+                      </p:stCondLst>
+                      <p:childTnLst>
+                        <p:par>
+                          <p:cTn id="4" fill="hold">
+                            <p:stCondLst>
+                              <p:cond delay="0"/>
+                            </p:stCondLst>
+                            <p:childTnLst>
+                              <p:par>
+                                <p:cTn id="5" presetID="10" presetClass="entr" presetSubtype="0" fill="hold" grpId="0" nodeType="clickEffect">
+                                  <p:stCondLst>
+                                    <p:cond delay="0"/>
+                                  </p:stCondLst>
+                                  <p:childTnLst>
+                                    <p:set>
+                                      <p:cBhvr>
+                                        <p:cTn id="6" dur="1" fill="hold">
+                                          <p:stCondLst>
+                                            <p:cond delay="0"/>
+                                          </p:stCondLst>
+                                        </p:cTn>
+                                        <p:tgtEl>
+                                          <p:spTgt spid="3">
+                                            <p:txEl>
+                                              <p:pRg st="0" end="0"/>
+                                            </p:txEl>
+                                          </p:spTgt>
+                                        </p:tgtEl>
+                                        <p:attrNameLst>
+                                          <p:attrName>style.visibility</p:attrName>
+                                        </p:attrNameLst>
+                                      </p:cBhvr>
+                                      <p:to>
+                                        <p:strVal val="visible"/>
+                                      </p:to>
+                                    </p:set>
+                                    <p:animEffect transition="in" filter="fade">
+                                      <p:cBhvr>
+                                        <p:cTn id="7" dur="500"/>
+                                        <p:tgtEl>
+                                          <p:spTgt spid="3">
+                                            <p:txEl>
+                                              <p:pRg st="0" end="0"/>
+                                            </p:txEl>
+                                          </p:spTgt>
+                                        </p:tgtEl>
+                                      </p:cBhvr>
+                                    </p:animEffect>
+                                  </p:childTnLst>
+                                </p:cTn>
+                              </p:par>
+                            </p:childTnLst>
+                          </p:cTn>
+                        </p:par>
+                      </p:childTnLst>
+                    </p:cTn>
+                  </p:par>
+                  <p:par>
+                    <p:cTn id="8" fill="hold">
+                      <p:stCondLst>
+                        <p:cond delay="indefinite"/>
+                      </p:stCondLst>
+                      <p:childTnLst>
+                        <p:par>
+                          <p:cTn id="9" fill="hold">
+                            <p:stCondLst>
+                              <p:cond delay="0"/>
+                            </p:stCondLst>
+                            <p:childTnLst>
+                              <p:par>
+                                <p:cTn id="10" presetID="10" presetClass="entr" presetSubtype="0" fill="hold" grpId="0" nodeType="clickEffect">
+                                  <p:stCondLst>
+                                    <p:cond delay="0"/>
+                                  </p:stCondLst>
+                                  <p:childTnLst>
+                                    <p:set>
+                                      <p:cBhvr>
+                                        <p:cTn id="11" dur="1" fill="hold">
+                                          <p:stCondLst>
+                                            <p:cond delay="0"/>
+                                          </p:stCondLst>
+                                        </p:cTn>
+                                        <p:tgtEl>
+                                          <p:spTgt spid="3">
+                                            <p:txEl>
+                                              <p:pRg st="1" end="1"/>
+                                            </p:txEl>
+                                          </p:spTgt>
+                                        </p:tgtEl>
+                                        <p:attrNameLst>
+                                          <p:attrName>style.visibility</p:attrName>
+                                        </p:attrNameLst>
+                                      </p:cBhvr>
+                                      <p:to>
+                                        <p:strVal val="visible"/>
+                                      </p:to>
+                                    </p:set>
+                                    <p:animEffect transition="in" filter="fade">
+                                      <p:cBhvr>
+                                        <p:cTn id="12" dur="500"/>
+                                        <p:tgtEl>
+                                          <p:spTgt spid="3">
+                                            <p:txEl>
+                                              <p:pRg st="1" end="1"/>
+                                            </p:txEl>
+                                          </p:spTgt>
+                                        </p:tgtEl>
+                                      </p:cBhvr>
+                                    </p:animEffect>
+                                  </p:childTnLst>
+                                </p:cTn>
+                              </p:par>
+                            </p:childTnLst>
+                          </p:cTn>
+                        </p:par>
+                      </p:childTnLst>
+                    </p:cTn>
+                  </p:par>
+                  <p:par>
+                    <p:cTn id="13" fill="hold">
+                      <p:stCondLst>
+                        <p:cond delay="indefinite"/>
+                      </p:stCondLst>
+                      <p:childTnLst>
+                        <p:par>
+                          <p:cTn id="14" fill="hold">
+                            <p:stCondLst>
+                              <p:cond delay="0"/>
+                            </p:stCondLst>
+                            <p:childTnLst>
+                              <p:par>
+                                <p:cTn id="15" presetID="10" presetClass="entr" presetSubtype="0" fill="hold" grpId="0" nodeType="clickEffect">
+                                  <p:stCondLst>
+                                    <p:cond delay="0"/>
+                                  </p:stCondLst>
+                                  <p:childTnLst>
+                                    <p:set>
+                                      <p:cBhvr>
+                                        <p:cTn id="16" dur="1" fill="hold">
+                                          <p:stCondLst>
+                                            <p:cond delay="0"/>
+                                          </p:stCondLst>
+                                        </p:cTn>
+                                        <p:tgtEl>
+                                          <p:spTgt spid="3">
+                                            <p:txEl>
+                                              <p:pRg st="3" end="3"/>
+                                            </p:txEl>
+                                          </p:spTgt>
+                                        </p:tgtEl>
+                                        <p:attrNameLst>
+                                          <p:attrName>style.visibility</p:attrName>
+                                        </p:attrNameLst>
+                                      </p:cBhvr>
+                                      <p:to>
+                                        <p:strVal val="visible"/>
+                                      </p:to>
+                                    </p:set>
+                                    <p:animEffect transition="in" filter="fade">
+                                      <p:cBhvr>
+                                        <p:cTn id="17" dur="500"/>
+                                        <p:tgtEl>
+                                          <p:spTgt spid="3">
+                                            <p:txEl>
+                                              <p:pRg st="3" end="3"/>
+                                            </p:txEl>
+                                          </p:spTgt>
+                                        </p:tgtEl>
+                                      </p:cBhvr>
+                                    </p:animEffect>
+                                  </p:childTnLst>
+                                </p:cTn>
+                              </p:par>
+                            </p:childTnLst>
+                          </p:cTn>
+                        </p:par>
+                      </p:childTnLst>
+                    </p:cTn>
+                  </p:par>
+                  <p:par>
+                    <p:cTn id="18" fill="hold">
+                      <p:stCondLst>
+                        <p:cond delay="indefinite"/>
+                      </p:stCondLst>
+                      <p:childTnLst>
+                        <p:par>
+                          <p:cTn id="19" fill="hold">
+                            <p:stCondLst>
+                              <p:cond delay="0"/>
+                            </p:stCondLst>
+                            <p:childTnLst>
+                              <p:par>
+                                <p:cTn id="20" presetID="10" presetClass="entr" presetSubtype="0" fill="hold" grpId="0" nodeType="clickEffect">
+                                  <p:stCondLst>
+                                    <p:cond delay="0"/>
+                                  </p:stCondLst>
+                                  <p:childTnLst>
+                                    <p:set>
+                                      <p:cBhvr>
+                                        <p:cTn id="21" dur="1" fill="hold">
+                                          <p:stCondLst>
+                                            <p:cond delay="0"/>
+                                          </p:stCondLst>
+                                        </p:cTn>
+                                        <p:tgtEl>
+                                          <p:spTgt spid="3">
+                                            <p:txEl>
+                                              <p:pRg st="4" end="4"/>
+                                            </p:txEl>
+                                          </p:spTgt>
+                                        </p:tgtEl>
+                                        <p:attrNameLst>
+                                          <p:attrName>style.visibility</p:attrName>
+                                        </p:attrNameLst>
+                                      </p:cBhvr>
+                                      <p:to>
+                                        <p:strVal val="visible"/>
+                                      </p:to>
+                                    </p:set>
+                                    <p:animEffect transition="in" filter="fade">
+                                      <p:cBhvr>
+                                        <p:cTn id="22" dur="500"/>
+                                        <p:tgtEl>
+                                          <p:spTgt spid="3">
+                                            <p:txEl>
+                                              <p:pRg st="4" end="4"/>
+                                            </p:txEl>
+                                          </p:spTgt>
+                                        </p:tgtEl>
+                                      </p:cBhvr>
+                                    </p:animEffect>
+                                  </p:childTnLst>
+                                </p:cTn>
+                              </p:par>
+                            </p:childTnLst>
+                          </p:cTn>
+                        </p:par>
+                      </p:childTnLst>
+                    </p:cTn>
+                  </p:par>
+                  <p:par>
+                    <p:cTn id="23" fill="hold">
+                      <p:stCondLst>
+                        <p:cond delay="indefinite"/>
+                      </p:stCondLst>
+                      <p:childTnLst>
+                        <p:par>
+                          <p:cTn id="24" fill="hold">
+                            <p:stCondLst>
+                              <p:cond delay="0"/>
+                            </p:stCondLst>
+                            <p:childTnLst>
+                              <p:par>
+                                <p:cTn id="25" presetID="10" presetClass="entr" presetSubtype="0" fill="hold" grpId="0" nodeType="clickEffect">
+                                  <p:stCondLst>
+                                    <p:cond delay="0"/>
+                                  </p:stCondLst>
+                                  <p:childTnLst>
+                                    <p:set>
+                                      <p:cBhvr>
+                                        <p:cTn id="26" dur="1" fill="hold">
+                                          <p:stCondLst>
+                                            <p:cond delay="0"/>
+                                          </p:stCondLst>
+                                        </p:cTn>
+                                        <p:tgtEl>
+                                          <p:spTgt spid="3">
+                                            <p:txEl>
+                                              <p:pRg st="6" end="6"/>
+                                            </p:txEl>
+                                          </p:spTgt>
+                                        </p:tgtEl>
+                                        <p:attrNameLst>
+                                          <p:attrName>style.visibility</p:attrName>
+                                        </p:attrNameLst>
+                                      </p:cBhvr>
+                                      <p:to>
+                                        <p:strVal val="visible"/>
+                                      </p:to>
+                                    </p:set>
+                                    <p:animEffect transition="in" filter="fade">
+                                      <p:cBhvr>
+                                        <p:cTn id="27" dur="500"/>
+                                        <p:tgtEl>
+                                          <p:spTgt spid="3">
+                                            <p:txEl>
+                                              <p:pRg st="6" end="6"/>
+                                            </p:txEl>
+                                          </p:spTgt>
+                                        </p:tgtEl>
+                                      </p:cBhvr>
+                                    </p:animEffect>
+                                  </p:childTnLst>
+                                </p:cTn>
+                              </p:par>
+                            </p:childTnLst>
+                          </p:cTn>
+                        </p:par>
+                      </p:childTnLst>
+                    </p:cTn>
+                  </p:par>
+                  <p:par>
+                    <p:cTn id="28" fill="hold">
+                      <p:stCondLst>
+                        <p:cond delay="indefinite"/>
+                      </p:stCondLst>
+                      <p:childTnLst>
+                        <p:par>
+                          <p:cTn id="29" fill="hold">
+                            <p:stCondLst>
+                              <p:cond delay="0"/>
+                            </p:stCondLst>
+                            <p:childTnLst>
+                              <p:par>
+                                <p:cTn id="30" presetID="10" presetClass="entr" presetSubtype="0" fill="hold" grpId="0" nodeType="clickEffect">
+                                  <p:stCondLst>
+                                    <p:cond delay="0"/>
+                                  </p:stCondLst>
+                                  <p:childTnLst>
+                                    <p:set>
+                                      <p:cBhvr>
+                                        <p:cTn id="31" dur="1" fill="hold">
+                                          <p:stCondLst>
+                                            <p:cond delay="0"/>
+                                          </p:stCondLst>
+                                        </p:cTn>
+                                        <p:tgtEl>
+                                          <p:spTgt spid="3">
+                                            <p:txEl>
+                                              <p:pRg st="7" end="7"/>
+                                            </p:txEl>
+                                          </p:spTgt>
+                                        </p:tgtEl>
+                                        <p:attrNameLst>
+                                          <p:attrName>style.visibility</p:attrName>
+                                        </p:attrNameLst>
+                                      </p:cBhvr>
+                                      <p:to>
+                                        <p:strVal val="visible"/>
+                                      </p:to>
+                                    </p:set>
+                                    <p:animEffect transition="in" filter="fade">
+                                      <p:cBhvr>
+                                        <p:cTn id="32" dur="500"/>
+                                        <p:tgtEl>
+                                          <p:spTgt spid="3">
+                                            <p:txEl>
+                                              <p:pRg st="7" end="7"/>
+                                            </p:txEl>
+                                          </p:spTgt>
+                                        </p:tgtEl>
+                                      </p:cBhvr>
+                                    </p:animEffect>
+                                  </p:childTnLst>
+                                </p:cTn>
+                              </p:par>
+                            </p:childTnLst>
+                          </p:cTn>
+                        </p:par>
+                      </p:childTnLst>
+                    </p:cTn>
+                  </p:par>
+                  <p:par>
+                    <p:cTn id="33" fill="hold">
+                      <p:stCondLst>
+                        <p:cond delay="indefinite"/>
+                      </p:stCondLst>
+                      <p:childTnLst>
+                        <p:par>
+                          <p:cTn id="34" fill="hold">
+                            <p:stCondLst>
+                              <p:cond delay="0"/>
+                            </p:stCondLst>
+                            <p:childTnLst>
+                              <p:par>
+                                <p:cTn id="35" presetID="10" presetClass="entr" presetSubtype="0" fill="hold" grpId="0" nodeType="clickEffect">
+                                  <p:stCondLst>
+                                    <p:cond delay="0"/>
+                                  </p:stCondLst>
+                                  <p:childTnLst>
+                                    <p:set>
+                                      <p:cBhvr>
+                                        <p:cTn id="36" dur="1" fill="hold">
+                                          <p:stCondLst>
+                                            <p:cond delay="0"/>
+                                          </p:stCondLst>
+                                        </p:cTn>
+                                        <p:tgtEl>
+                                          <p:spTgt spid="5">
+                                            <p:txEl>
+                                              <p:pRg st="0" end="0"/>
+                                            </p:txEl>
+                                          </p:spTgt>
+                                        </p:tgtEl>
+                                        <p:attrNameLst>
+                                          <p:attrName>style.visibility</p:attrName>
+                                        </p:attrNameLst>
+                                      </p:cBhvr>
+                                      <p:to>
+                                        <p:strVal val="visible"/>
+                                      </p:to>
+                                    </p:set>
+                                    <p:animEffect transition="in" filter="fade">
+                                      <p:cBhvr>
+                                        <p:cTn id="37" dur="500"/>
+                                        <p:tgtEl>
+                                          <p:spTgt spid="5">
+                                            <p:txEl>
+                                              <p:pRg st="0" end="0"/>
+                                            </p:txEl>
+                                          </p:spTgt>
+                                        </p:tgtEl>
+                                      </p:cBhvr>
+                                    </p:animEffect>
+                                  </p:childTnLst>
+                                </p:cTn>
+                              </p:par>
+                            </p:childTnLst>
+                          </p:cTn>
+                        </p:par>
+                      </p:childTnLst>
+                    </p:cTn>
+                  </p:par>
+                  <p:par>
+                    <p:cTn id="38" fill="hold">
+                      <p:stCondLst>
+                        <p:cond delay="indefinite"/>
+                      </p:stCondLst>
+                      <p:childTnLst>
+                        <p:par>
+                          <p:cTn id="39" fill="hold">
+                            <p:stCondLst>
+                              <p:cond delay="0"/>
+                            </p:stCondLst>
+                            <p:childTnLst>
+                              <p:par>
+                                <p:cTn id="40" presetID="10" presetClass="entr" presetSubtype="0" fill="hold" grpId="0" nodeType="clickEffect">
+                                  <p:stCondLst>
+                                    <p:cond delay="0"/>
+                                  </p:stCondLst>
+                                  <p:childTnLst>
+                                    <p:set>
+                                      <p:cBhvr>
+                                        <p:cTn id="41" dur="1" fill="hold">
+                                          <p:stCondLst>
+                                            <p:cond delay="0"/>
+                                          </p:stCondLst>
+                                        </p:cTn>
+                                        <p:tgtEl>
+                                          <p:spTgt spid="5">
+                                            <p:txEl>
+                                              <p:pRg st="1" end="1"/>
+                                            </p:txEl>
+                                          </p:spTgt>
+                                        </p:tgtEl>
+                                        <p:attrNameLst>
+                                          <p:attrName>style.visibility</p:attrName>
+                                        </p:attrNameLst>
+                                      </p:cBhvr>
+                                      <p:to>
+                                        <p:strVal val="visible"/>
+                                      </p:to>
+                                    </p:set>
+                                    <p:animEffect transition="in" filter="fade">
+                                      <p:cBhvr>
+                                        <p:cTn id="42" dur="500"/>
+                                        <p:tgtEl>
+                                          <p:spTgt spid="5">
+                                            <p:txEl>
+                                              <p:pRg st="1" end="1"/>
+                                            </p:txEl>
+                                          </p:spTgt>
+                                        </p:tgtEl>
+                                      </p:cBhvr>
+                                    </p:animEffect>
+                                  </p:childTnLst>
+                                </p:cTn>
+                              </p:par>
+                            </p:childTnLst>
+                          </p:cTn>
+                        </p:par>
+                      </p:childTnLst>
+                    </p:cTn>
+                  </p:par>
+                  <p:par>
+                    <p:cTn id="43" fill="hold">
+                      <p:stCondLst>
+                        <p:cond delay="indefinite"/>
+                      </p:stCondLst>
+                      <p:childTnLst>
+                        <p:par>
+                          <p:cTn id="44" fill="hold">
+                            <p:stCondLst>
+                              <p:cond delay="0"/>
+                            </p:stCondLst>
+                            <p:childTnLst>
+                              <p:par>
+                                <p:cTn id="45" presetID="10" presetClass="entr" presetSubtype="0" fill="hold" grpId="0" nodeType="clickEffect">
+                                  <p:stCondLst>
+                                    <p:cond delay="0"/>
+                                  </p:stCondLst>
+                                  <p:childTnLst>
+                                    <p:set>
+                                      <p:cBhvr>
+                                        <p:cTn id="46" dur="1" fill="hold">
+                                          <p:stCondLst>
+                                            <p:cond delay="0"/>
+                                          </p:stCondLst>
+                                        </p:cTn>
+                                        <p:tgtEl>
+                                          <p:spTgt spid="5">
+                                            <p:txEl>
+                                              <p:pRg st="3" end="3"/>
+                                            </p:txEl>
+                                          </p:spTgt>
+                                        </p:tgtEl>
+                                        <p:attrNameLst>
+                                          <p:attrName>style.visibility</p:attrName>
+                                        </p:attrNameLst>
+                                      </p:cBhvr>
+                                      <p:to>
+                                        <p:strVal val="visible"/>
+                                      </p:to>
+                                    </p:set>
+                                    <p:animEffect transition="in" filter="fade">
+                                      <p:cBhvr>
+                                        <p:cTn id="47" dur="500"/>
+                                        <p:tgtEl>
+                                          <p:spTgt spid="5">
+                                            <p:txEl>
+                                              <p:pRg st="3" end="3"/>
+                                            </p:txEl>
+                                          </p:spTgt>
+                                        </p:tgtEl>
+                                      </p:cBhvr>
+                                    </p:animEffect>
+                                  </p:childTnLst>
+                                </p:cTn>
+                              </p:par>
+                            </p:childTnLst>
+                          </p:cTn>
+                        </p:par>
+                      </p:childTnLst>
+                    </p:cTn>
+                  </p:par>
+                  <p:par>
+                    <p:cTn id="48" fill="hold">
+                      <p:stCondLst>
+                        <p:cond delay="indefinite"/>
+                      </p:stCondLst>
+                      <p:childTnLst>
+                        <p:par>
+                          <p:cTn id="49" fill="hold">
+                            <p:stCondLst>
+                              <p:cond delay="0"/>
+                            </p:stCondLst>
+                            <p:childTnLst>
+                              <p:par>
+                                <p:cTn id="50" presetID="10" presetClass="entr" presetSubtype="0" fill="hold" grpId="0" nodeType="clickEffect">
+                                  <p:stCondLst>
+                                    <p:cond delay="0"/>
+                                  </p:stCondLst>
+                                  <p:childTnLst>
+                                    <p:set>
+                                      <p:cBhvr>
+                                        <p:cTn id="51" dur="1" fill="hold">
+                                          <p:stCondLst>
+                                            <p:cond delay="0"/>
+                                          </p:stCondLst>
+                                        </p:cTn>
+                                        <p:tgtEl>
+                                          <p:spTgt spid="5">
+                                            <p:txEl>
+                                              <p:pRg st="4" end="4"/>
+                                            </p:txEl>
+                                          </p:spTgt>
+                                        </p:tgtEl>
+                                        <p:attrNameLst>
+                                          <p:attrName>style.visibility</p:attrName>
+                                        </p:attrNameLst>
+                                      </p:cBhvr>
+                                      <p:to>
+                                        <p:strVal val="visible"/>
+                                      </p:to>
+                                    </p:set>
+                                    <p:animEffect transition="in" filter="fade">
+                                      <p:cBhvr>
+                                        <p:cTn id="52" dur="500"/>
+                                        <p:tgtEl>
+                                          <p:spTgt spid="5">
+                                            <p:txEl>
+                                              <p:pRg st="4" end="4"/>
+                                            </p:txEl>
+                                          </p:spTgt>
+                                        </p:tgtEl>
+                                      </p:cBhvr>
+                                    </p:animEffect>
+                                  </p:childTnLst>
+                                </p:cTn>
+                              </p:par>
+                            </p:childTnLst>
+                          </p:cTn>
+                        </p:par>
+                      </p:childTnLst>
+                    </p:cTn>
+                  </p:par>
+                </p:childTnLst>
+              </p:cTn>
+              <p:prevCondLst>
+                <p:cond evt="onPrev" delay="0">
+                  <p:tgtEl>
+                    <p:sldTgt/>
+                  </p:tgtEl>
+                </p:cond>
+              </p:prevCondLst>
+              <p:nextCondLst>
+                <p:cond evt="onNext" delay="0">
+                  <p:tgtEl>
+                    <p:sldTgt/>
+                  </p:tgtEl>
+                </p:cond>
+              </p:nextCondLst>
+            </p:seq>
+          </p:childTnLst>
+        </p:cTn>
+      </p:par>
+    </p:tnLst>
+    <p:bldLst>
+      <p:bldP spid="3" grpId="0" build="p"/>
+      <p:bldP spid="5" grpId="0" build="p"/>
+    </p:bldLst>
+  </p:timing>
+</p:sld>
+</file>
+
+<file path=ppt/slides/slide32.xml><?xml version="1.0" encoding="utf-8"?>
+<p:sld xmlns:a="http://schemas.openxmlformats.org/drawingml/2006/main" xmlns:r="http://schemas.openxmlformats.org/officeDocument/2006/relationships" xmlns:p="http://schemas.openxmlformats.org/presentationml/2006/main">
+  <p:cSld>
+    <p:spTree>
+      <p:nvGrpSpPr>
+        <p:cNvPr id="1" name=""/>
+        <p:cNvGrpSpPr/>
+        <p:nvPr/>
+      </p:nvGrpSpPr>
+      <p:grpSpPr>
+        <a:xfrm>
+          <a:off x="0" y="0"/>
+          <a:ext cx="0" cy="0"/>
+          <a:chOff x="0" y="0"/>
+          <a:chExt cx="0" cy="0"/>
+        </a:xfrm>
+      </p:grpSpPr>
+      <p:sp>
+        <p:nvSpPr>
+          <p:cNvPr id="2" name="标题 1">
+            <a:extLst>
+              <a:ext uri="{FF2B5EF4-FFF2-40B4-BE49-F238E27FC236}">
+                <a16:creationId xmlns:a16="http://schemas.microsoft.com/office/drawing/2014/main" id="{4CAE411F-2EA8-417E-B994-E220C1B37212}"/>
+              </a:ext>
+            </a:extLst>
+          </p:cNvPr>
+          <p:cNvSpPr>
+            <a:spLocks noGrp="1"/>
+          </p:cNvSpPr>
+          <p:nvPr>
+            <p:ph type="title"/>
+          </p:nvPr>
+        </p:nvSpPr>
+        <p:spPr/>
+        <p:txBody>
+          <a:bodyPr/>
+          <a:lstStyle/>
+          <a:p>
+            <a:r>
+              <a:rPr lang="zh-CN" altLang="en-US" dirty="0"/>
+              <a:t>继承、派生与多态</a:t>
+            </a:r>
+          </a:p>
+        </p:txBody>
+      </p:sp>
+      <p:sp>
+        <p:nvSpPr>
+          <p:cNvPr id="5" name="内容占位符 4">
+            <a:extLst>
+              <a:ext uri="{FF2B5EF4-FFF2-40B4-BE49-F238E27FC236}">
+                <a16:creationId xmlns:a16="http://schemas.microsoft.com/office/drawing/2014/main" id="{50DFF94A-3582-4313-AB6D-09A74400E12A}"/>
+              </a:ext>
+            </a:extLst>
+          </p:cNvPr>
+          <p:cNvSpPr>
+            <a:spLocks noGrp="1"/>
+          </p:cNvSpPr>
+          <p:nvPr>
+            <p:ph idx="1"/>
+          </p:nvPr>
+        </p:nvSpPr>
+        <p:spPr/>
+        <p:txBody>
+          <a:bodyPr>
+            <a:normAutofit/>
+          </a:bodyPr>
+          <a:lstStyle/>
+          <a:p>
+            <a:r>
+              <a:rPr lang="zh-CN" altLang="en-US" dirty="0"/>
+              <a:t>各种继承方式</a:t>
+            </a:r>
+            <a:endParaRPr lang="en-US" altLang="zh-CN" dirty="0"/>
+          </a:p>
+          <a:p>
+            <a:r>
+              <a:rPr lang="zh-CN" altLang="en-US" dirty="0"/>
+              <a:t>静态多态：函数重载、运算符重载</a:t>
+            </a:r>
+            <a:endParaRPr lang="en-US" altLang="zh-CN" dirty="0"/>
+          </a:p>
+          <a:p>
+            <a:r>
+              <a:rPr lang="zh-CN" altLang="en-US" dirty="0"/>
+              <a:t>动态</a:t>
+            </a:r>
+            <a:r>
+              <a:rPr lang="zh-CN" altLang="en-US"/>
+              <a:t>多态：赋值兼容规则、虚</a:t>
+            </a:r>
+            <a:r>
+              <a:rPr lang="zh-CN" altLang="en-US" dirty="0"/>
+              <a:t>函数</a:t>
+            </a:r>
+            <a:endParaRPr lang="en-US" altLang="zh-CN" dirty="0"/>
+          </a:p>
+          <a:p>
+            <a:r>
+              <a:rPr lang="en-US" altLang="zh-CN" dirty="0"/>
+              <a:t>zoo animal dog cat</a:t>
+            </a:r>
+          </a:p>
+          <a:p>
+            <a:endParaRPr lang="en-US" altLang="zh-CN" dirty="0"/>
+          </a:p>
+        </p:txBody>
+      </p:sp>
+    </p:spTree>
+    <p:extLst>
+      <p:ext uri="{BB962C8B-B14F-4D97-AF65-F5344CB8AC3E}">
+        <p14:creationId xmlns:p14="http://schemas.microsoft.com/office/powerpoint/2010/main" val="2794462165"/>
+      </p:ext>
+    </p:extLst>
+  </p:cSld>
+  <p:clrMapOvr>
+    <a:masterClrMapping/>
+  </p:clrMapOvr>
+  <mc:AlternateContent xmlns:mc="http://schemas.openxmlformats.org/markup-compatibility/2006" xmlns:p14="http://schemas.microsoft.com/office/powerpoint/2010/main">
+    <mc:Choice Requires="p14">
+      <p:transition spd="slow" p14:dur="1600">
+        <p14:gallery dir="l"/>
+      </p:transition>
+    </mc:Choice>
+    <mc:Fallback xmlns="">
+      <p:transition spd="slow">
+        <p:fade/>
+      </p:transition>
+    </mc:Fallback>
+  </mc:AlternateContent>
+  <p:timing>
+    <p:tnLst>
+      <p:par>
+        <p:cTn id="1" dur="indefinite" restart="never" nodeType="tmRoot">
+          <p:childTnLst>
+            <p:seq concurrent="1" nextAc="seek">
+              <p:cTn id="2" dur="indefinite" nodeType="mainSeq">
+                <p:childTnLst>
+                  <p:par>
+                    <p:cTn id="3" fill="hold">
+                      <p:stCondLst>
+                        <p:cond delay="indefinite"/>
+                      </p:stCondLst>
+                      <p:childTnLst>
+                        <p:par>
+                          <p:cTn id="4" fill="hold">
+                            <p:stCondLst>
+                              <p:cond delay="0"/>
+                            </p:stCondLst>
+                            <p:childTnLst>
+                              <p:par>
+                                <p:cTn id="5" presetID="10" presetClass="entr" presetSubtype="0" fill="hold" grpId="0" nodeType="clickEffect">
+                                  <p:stCondLst>
+                                    <p:cond delay="0"/>
+                                  </p:stCondLst>
+                                  <p:childTnLst>
+                                    <p:set>
+                                      <p:cBhvr>
+                                        <p:cTn id="6" dur="1" fill="hold">
+                                          <p:stCondLst>
+                                            <p:cond delay="0"/>
+                                          </p:stCondLst>
+                                        </p:cTn>
+                                        <p:tgtEl>
+                                          <p:spTgt spid="5">
+                                            <p:txEl>
+                                              <p:pRg st="0" end="0"/>
+                                            </p:txEl>
+                                          </p:spTgt>
+                                        </p:tgtEl>
+                                        <p:attrNameLst>
+                                          <p:attrName>style.visibility</p:attrName>
+                                        </p:attrNameLst>
+                                      </p:cBhvr>
+                                      <p:to>
+                                        <p:strVal val="visible"/>
+                                      </p:to>
+                                    </p:set>
+                                    <p:animEffect transition="in" filter="fade">
+                                      <p:cBhvr>
+                                        <p:cTn id="7" dur="500"/>
+                                        <p:tgtEl>
+                                          <p:spTgt spid="5">
+                                            <p:txEl>
+                                              <p:pRg st="0" end="0"/>
+                                            </p:txEl>
+                                          </p:spTgt>
+                                        </p:tgtEl>
+                                      </p:cBhvr>
+                                    </p:animEffect>
+                                  </p:childTnLst>
+                                </p:cTn>
+                              </p:par>
+                            </p:childTnLst>
+                          </p:cTn>
+                        </p:par>
+                      </p:childTnLst>
+                    </p:cTn>
+                  </p:par>
+                  <p:par>
+                    <p:cTn id="8" fill="hold">
+                      <p:stCondLst>
+                        <p:cond delay="indefinite"/>
+                      </p:stCondLst>
+                      <p:childTnLst>
+                        <p:par>
+                          <p:cTn id="9" fill="hold">
+                            <p:stCondLst>
+                              <p:cond delay="0"/>
+                            </p:stCondLst>
+                            <p:childTnLst>
+                              <p:par>
+                                <p:cTn id="10" presetID="10" presetClass="entr" presetSubtype="0" fill="hold" grpId="0" nodeType="clickEffect">
+                                  <p:stCondLst>
+                                    <p:cond delay="0"/>
+                                  </p:stCondLst>
+                                  <p:childTnLst>
+                                    <p:set>
+                                      <p:cBhvr>
+                                        <p:cTn id="11" dur="1" fill="hold">
+                                          <p:stCondLst>
+                                            <p:cond delay="0"/>
+                                          </p:stCondLst>
+                                        </p:cTn>
+                                        <p:tgtEl>
+                                          <p:spTgt spid="5">
+                                            <p:txEl>
+                                              <p:pRg st="1" end="1"/>
+                                            </p:txEl>
+                                          </p:spTgt>
+                                        </p:tgtEl>
+                                        <p:attrNameLst>
+                                          <p:attrName>style.visibility</p:attrName>
+                                        </p:attrNameLst>
+                                      </p:cBhvr>
+                                      <p:to>
+                                        <p:strVal val="visible"/>
+                                      </p:to>
+                                    </p:set>
+                                    <p:animEffect transition="in" filter="fade">
+                                      <p:cBhvr>
+                                        <p:cTn id="12" dur="500"/>
+                                        <p:tgtEl>
+                                          <p:spTgt spid="5">
+                                            <p:txEl>
+                                              <p:pRg st="1" end="1"/>
+                                            </p:txEl>
+                                          </p:spTgt>
+                                        </p:tgtEl>
+                                      </p:cBhvr>
+                                    </p:animEffect>
+                                  </p:childTnLst>
+                                </p:cTn>
+                              </p:par>
+                            </p:childTnLst>
+                          </p:cTn>
+                        </p:par>
+                      </p:childTnLst>
+                    </p:cTn>
+                  </p:par>
+                  <p:par>
+                    <p:cTn id="13" fill="hold">
+                      <p:stCondLst>
+                        <p:cond delay="indefinite"/>
+                      </p:stCondLst>
+                      <p:childTnLst>
+                        <p:par>
+                          <p:cTn id="14" fill="hold">
+                            <p:stCondLst>
+                              <p:cond delay="0"/>
+                            </p:stCondLst>
+                            <p:childTnLst>
+                              <p:par>
+                                <p:cTn id="15" presetID="10" presetClass="entr" presetSubtype="0" fill="hold" grpId="0" nodeType="clickEffect">
+                                  <p:stCondLst>
+                                    <p:cond delay="0"/>
+                                  </p:stCondLst>
+                                  <p:childTnLst>
+                                    <p:set>
+                                      <p:cBhvr>
+                                        <p:cTn id="16" dur="1" fill="hold">
+                                          <p:stCondLst>
+                                            <p:cond delay="0"/>
+                                          </p:stCondLst>
+                                        </p:cTn>
+                                        <p:tgtEl>
+                                          <p:spTgt spid="5">
+                                            <p:txEl>
+                                              <p:pRg st="2" end="2"/>
+                                            </p:txEl>
+                                          </p:spTgt>
+                                        </p:tgtEl>
+                                        <p:attrNameLst>
+                                          <p:attrName>style.visibility</p:attrName>
+                                        </p:attrNameLst>
+                                      </p:cBhvr>
+                                      <p:to>
+                                        <p:strVal val="visible"/>
+                                      </p:to>
+                                    </p:set>
+                                    <p:animEffect transition="in" filter="fade">
+                                      <p:cBhvr>
+                                        <p:cTn id="17" dur="500"/>
+                                        <p:tgtEl>
+                                          <p:spTgt spid="5">
+                                            <p:txEl>
+                                              <p:pRg st="2" end="2"/>
+                                            </p:txEl>
+                                          </p:spTgt>
+                                        </p:tgtEl>
+                                      </p:cBhvr>
+                                    </p:animEffect>
+                                  </p:childTnLst>
+                                </p:cTn>
+                              </p:par>
+                            </p:childTnLst>
+                          </p:cTn>
+                        </p:par>
+                      </p:childTnLst>
+                    </p:cTn>
+                  </p:par>
+                  <p:par>
+                    <p:cTn id="18" fill="hold">
+                      <p:stCondLst>
+                        <p:cond delay="indefinite"/>
+                      </p:stCondLst>
+                      <p:childTnLst>
+                        <p:par>
+                          <p:cTn id="19" fill="hold">
+                            <p:stCondLst>
+                              <p:cond delay="0"/>
+                            </p:stCondLst>
+                            <p:childTnLst>
+                              <p:par>
+                                <p:cTn id="20" presetID="10" presetClass="entr" presetSubtype="0" fill="hold" grpId="0" nodeType="clickEffect">
+                                  <p:stCondLst>
+                                    <p:cond delay="0"/>
+                                  </p:stCondLst>
+                                  <p:childTnLst>
+                                    <p:set>
+                                      <p:cBhvr>
+                                        <p:cTn id="21" dur="1" fill="hold">
+                                          <p:stCondLst>
+                                            <p:cond delay="0"/>
+                                          </p:stCondLst>
+                                        </p:cTn>
+                                        <p:tgtEl>
+                                          <p:spTgt spid="5">
+                                            <p:txEl>
+                                              <p:pRg st="3" end="3"/>
+                                            </p:txEl>
+                                          </p:spTgt>
+                                        </p:tgtEl>
+                                        <p:attrNameLst>
+                                          <p:attrName>style.visibility</p:attrName>
+                                        </p:attrNameLst>
+                                      </p:cBhvr>
+                                      <p:to>
+                                        <p:strVal val="visible"/>
+                                      </p:to>
+                                    </p:set>
+                                    <p:animEffect transition="in" filter="fade">
+                                      <p:cBhvr>
+                                        <p:cTn id="22" dur="500"/>
+                                        <p:tgtEl>
+                                          <p:spTgt spid="5">
+                                            <p:txEl>
+                                              <p:pRg st="3" end="3"/>
+                                            </p:txEl>
+                                          </p:spTgt>
+                                        </p:tgtEl>
+                                      </p:cBhvr>
+                                    </p:animEffect>
+                                  </p:childTnLst>
+                                </p:cTn>
+                              </p:par>
+                            </p:childTnLst>
+                          </p:cTn>
+                        </p:par>
+                      </p:childTnLst>
+                    </p:cTn>
+                  </p:par>
+                </p:childTnLst>
+              </p:cTn>
+              <p:prevCondLst>
+                <p:cond evt="onPrev" delay="0">
+                  <p:tgtEl>
+                    <p:sldTgt/>
+                  </p:tgtEl>
+                </p:cond>
+              </p:prevCondLst>
+              <p:nextCondLst>
+                <p:cond evt="onNext" delay="0">
+                  <p:tgtEl>
+                    <p:sldTgt/>
+                  </p:tgtEl>
+                </p:cond>
+              </p:nextCondLst>
+            </p:seq>
+          </p:childTnLst>
+        </p:cTn>
+      </p:par>
+    </p:tnLst>
+    <p:bldLst>
+      <p:bldP spid="5" grpId="0" build="p"/>
+    </p:bldLst>
+  </p:timing>
+</p:sld>
+</file>
+
+<file path=ppt/slides/slide33.xml><?xml version="1.0" encoding="utf-8"?>
+<p:sld xmlns:a="http://schemas.openxmlformats.org/drawingml/2006/main" xmlns:r="http://schemas.openxmlformats.org/officeDocument/2006/relationships" xmlns:p="http://schemas.openxmlformats.org/presentationml/2006/main">
+  <p:cSld>
+    <p:spTree>
+      <p:nvGrpSpPr>
+        <p:cNvPr id="1" name=""/>
+        <p:cNvGrpSpPr/>
+        <p:nvPr/>
+      </p:nvGrpSpPr>
+      <p:grpSpPr>
+        <a:xfrm>
+          <a:off x="0" y="0"/>
+          <a:ext cx="0" cy="0"/>
+          <a:chOff x="0" y="0"/>
+          <a:chExt cx="0" cy="0"/>
+        </a:xfrm>
+      </p:grpSpPr>
+      <p:sp>
+        <p:nvSpPr>
+          <p:cNvPr id="2" name="标题 1">
+            <a:extLst>
+              <a:ext uri="{FF2B5EF4-FFF2-40B4-BE49-F238E27FC236}">
+                <a16:creationId xmlns:a16="http://schemas.microsoft.com/office/drawing/2014/main" id="{EB99531E-0A18-48F5-A94D-E299E157228C}"/>
+              </a:ext>
+            </a:extLst>
+          </p:cNvPr>
+          <p:cNvSpPr>
+            <a:spLocks noGrp="1"/>
+          </p:cNvSpPr>
+          <p:nvPr>
+            <p:ph type="title"/>
+          </p:nvPr>
+        </p:nvSpPr>
+        <p:spPr/>
+        <p:txBody>
+          <a:bodyPr/>
+          <a:lstStyle/>
+          <a:p>
+            <a:r>
+              <a:rPr lang="zh-CN" altLang="en-US" dirty="0"/>
+              <a:t>实验</a:t>
+            </a:r>
+          </a:p>
+        </p:txBody>
+      </p:sp>
+      <p:sp>
+        <p:nvSpPr>
+          <p:cNvPr id="3" name="内容占位符 2">
+            <a:extLst>
+              <a:ext uri="{FF2B5EF4-FFF2-40B4-BE49-F238E27FC236}">
+                <a16:creationId xmlns:a16="http://schemas.microsoft.com/office/drawing/2014/main" id="{2A89DC39-AB06-42A5-A0DE-4BB2B9101383}"/>
+              </a:ext>
+            </a:extLst>
+          </p:cNvPr>
+          <p:cNvSpPr>
+            <a:spLocks noGrp="1"/>
+          </p:cNvSpPr>
+          <p:nvPr>
+            <p:ph idx="1"/>
+          </p:nvPr>
+        </p:nvSpPr>
+        <p:spPr/>
+        <p:txBody>
+          <a:bodyPr/>
+          <a:lstStyle/>
+          <a:p>
+            <a:r>
+              <a:rPr lang="zh-CN" altLang="en-US" dirty="0"/>
+              <a:t>库文件的发布与使用</a:t>
+            </a:r>
+            <a:endParaRPr lang="en-US" altLang="zh-CN" dirty="0"/>
+          </a:p>
+          <a:p>
+            <a:endParaRPr lang="en-US" altLang="zh-CN" dirty="0"/>
+          </a:p>
+          <a:p>
+            <a:r>
+              <a:rPr lang="en-US" altLang="zh-CN" dirty="0" err="1"/>
+              <a:t>ACLLib</a:t>
+            </a:r>
+            <a:r>
+              <a:rPr lang="zh-CN" altLang="en-US" dirty="0"/>
+              <a:t>库：</a:t>
+            </a:r>
+            <a:endParaRPr lang="en-US" altLang="zh-CN" dirty="0"/>
+          </a:p>
+          <a:p>
+            <a:r>
+              <a:rPr lang="en-US" altLang="zh-CN" dirty="0"/>
+              <a:t>https://</a:t>
+            </a:r>
+            <a:r>
+              <a:rPr lang="en-US" altLang="zh-CN" dirty="0" err="1"/>
+              <a:t>github.com</a:t>
+            </a:r>
+            <a:r>
+              <a:rPr lang="en-US" altLang="zh-CN" dirty="0"/>
+              <a:t>/</a:t>
+            </a:r>
+            <a:r>
+              <a:rPr lang="en-US" altLang="zh-CN" dirty="0" err="1"/>
+              <a:t>wengkai</a:t>
+            </a:r>
+            <a:r>
+              <a:rPr lang="en-US" altLang="zh-CN" dirty="0"/>
+              <a:t>/</a:t>
+            </a:r>
+            <a:r>
+              <a:rPr lang="en-US" altLang="zh-CN" dirty="0" err="1"/>
+              <a:t>acllib</a:t>
+            </a:r>
+            <a:endParaRPr lang="en-US" altLang="zh-CN" dirty="0"/>
+          </a:p>
+          <a:p>
+            <a:endParaRPr lang="en-US" altLang="zh-CN" dirty="0"/>
+          </a:p>
+          <a:p>
+            <a:r>
+              <a:rPr lang="zh-CN" altLang="en-US" dirty="0"/>
+              <a:t>示例程序：</a:t>
+            </a:r>
+            <a:endParaRPr lang="en-US" altLang="zh-CN" dirty="0"/>
+          </a:p>
+          <a:p>
+            <a:r>
+              <a:rPr lang="en-US" altLang="zh-CN" dirty="0"/>
+              <a:t>clock</a:t>
+            </a:r>
+            <a:r>
+              <a:rPr lang="zh-CN" altLang="en-US" dirty="0"/>
+              <a:t>、</a:t>
+            </a:r>
+            <a:r>
+              <a:rPr lang="en-US" altLang="zh-CN" dirty="0"/>
+              <a:t>clocks</a:t>
+            </a:r>
+            <a:r>
+              <a:rPr lang="zh-CN" altLang="en-US" dirty="0"/>
+              <a:t>、</a:t>
+            </a:r>
+            <a:r>
+              <a:rPr lang="en-US" altLang="zh-CN" dirty="0"/>
+              <a:t>cube</a:t>
+            </a:r>
+            <a:r>
+              <a:rPr lang="zh-CN" altLang="en-US" dirty="0"/>
+              <a:t>、</a:t>
+            </a:r>
+            <a:r>
+              <a:rPr lang="en-US" altLang="zh-CN" dirty="0"/>
+              <a:t>snake</a:t>
+            </a:r>
+            <a:endParaRPr lang="zh-CN" altLang="en-US" dirty="0"/>
+          </a:p>
+        </p:txBody>
+      </p:sp>
+    </p:spTree>
+    <p:extLst>
+      <p:ext uri="{BB962C8B-B14F-4D97-AF65-F5344CB8AC3E}">
+        <p14:creationId xmlns:p14="http://schemas.microsoft.com/office/powerpoint/2010/main" val="1284567514"/>
+      </p:ext>
+    </p:extLst>
+  </p:cSld>
+  <p:clrMapOvr>
+    <a:masterClrMapping/>
+  </p:clrMapOvr>
+  <mc:AlternateContent xmlns:mc="http://schemas.openxmlformats.org/markup-compatibility/2006" xmlns:p14="http://schemas.microsoft.com/office/powerpoint/2010/main">
+    <mc:Choice Requires="p14">
+      <p:transition spd="slow" p14:dur="1600">
+        <p14:gallery dir="l"/>
+      </p:transition>
+    </mc:Choice>
+    <mc:Fallback xmlns="">
+      <p:transition spd="slow">
+        <p:fade/>
+      </p:transition>
+    </mc:Fallback>
+  </mc:AlternateContent>
+  <p:timing>
+    <p:tnLst>
+      <p:par>
+        <p:cTn id="1" dur="indefinite" restart="never" nodeType="tmRoot">
+          <p:childTnLst>
+            <p:seq concurrent="1" nextAc="seek">
+              <p:cTn id="2" dur="indefinite" nodeType="mainSeq">
+                <p:childTnLst>
+                  <p:par>
+                    <p:cTn id="3" fill="hold">
+                      <p:stCondLst>
+                        <p:cond delay="indefinite"/>
+                      </p:stCondLst>
+                      <p:childTnLst>
+                        <p:par>
+                          <p:cTn id="4" fill="hold">
+                            <p:stCondLst>
+                              <p:cond delay="0"/>
+                            </p:stCondLst>
+                            <p:childTnLst>
+                              <p:par>
+                                <p:cTn id="5" presetID="10" presetClass="entr" presetSubtype="0" fill="hold" grpId="0" nodeType="clickEffect">
+                                  <p:stCondLst>
+                                    <p:cond delay="0"/>
+                                  </p:stCondLst>
+                                  <p:childTnLst>
+                                    <p:set>
+                                      <p:cBhvr>
+                                        <p:cTn id="6" dur="1" fill="hold">
+                                          <p:stCondLst>
+                                            <p:cond delay="0"/>
+                                          </p:stCondLst>
+                                        </p:cTn>
+                                        <p:tgtEl>
+                                          <p:spTgt spid="3">
+                                            <p:txEl>
+                                              <p:pRg st="0" end="0"/>
+                                            </p:txEl>
+                                          </p:spTgt>
+                                        </p:tgtEl>
+                                        <p:attrNameLst>
+                                          <p:attrName>style.visibility</p:attrName>
+                                        </p:attrNameLst>
+                                      </p:cBhvr>
+                                      <p:to>
+                                        <p:strVal val="visible"/>
+                                      </p:to>
+                                    </p:set>
+                                    <p:animEffect transition="in" filter="fade">
+                                      <p:cBhvr>
+                                        <p:cTn id="7" dur="500"/>
+                                        <p:tgtEl>
+                                          <p:spTgt spid="3">
+                                            <p:txEl>
+                                              <p:pRg st="0" end="0"/>
+                                            </p:txEl>
+                                          </p:spTgt>
+                                        </p:tgtEl>
+                                      </p:cBhvr>
+                                    </p:animEffect>
+                                  </p:childTnLst>
+                                </p:cTn>
+                              </p:par>
+                            </p:childTnLst>
+                          </p:cTn>
+                        </p:par>
+                      </p:childTnLst>
+                    </p:cTn>
+                  </p:par>
+                  <p:par>
+                    <p:cTn id="8" fill="hold">
+                      <p:stCondLst>
+                        <p:cond delay="indefinite"/>
+                      </p:stCondLst>
+                      <p:childTnLst>
+                        <p:par>
+                          <p:cTn id="9" fill="hold">
+                            <p:stCondLst>
+                              <p:cond delay="0"/>
+                            </p:stCondLst>
+                            <p:childTnLst>
+                              <p:par>
+                                <p:cTn id="10" presetID="10" presetClass="entr" presetSubtype="0" fill="hold" grpId="0" nodeType="clickEffect">
+                                  <p:stCondLst>
+                                    <p:cond delay="0"/>
+                                  </p:stCondLst>
+                                  <p:childTnLst>
+                                    <p:set>
+                                      <p:cBhvr>
+                                        <p:cTn id="11" dur="1" fill="hold">
+                                          <p:stCondLst>
+                                            <p:cond delay="0"/>
+                                          </p:stCondLst>
+                                        </p:cTn>
+                                        <p:tgtEl>
+                                          <p:spTgt spid="3">
+                                            <p:txEl>
+                                              <p:pRg st="2" end="2"/>
+                                            </p:txEl>
+                                          </p:spTgt>
+                                        </p:tgtEl>
+                                        <p:attrNameLst>
+                                          <p:attrName>style.visibility</p:attrName>
+                                        </p:attrNameLst>
+                                      </p:cBhvr>
+                                      <p:to>
+                                        <p:strVal val="visible"/>
+                                      </p:to>
+                                    </p:set>
+                                    <p:animEffect transition="in" filter="fade">
+                                      <p:cBhvr>
+                                        <p:cTn id="12" dur="500"/>
+                                        <p:tgtEl>
+                                          <p:spTgt spid="3">
+                                            <p:txEl>
+                                              <p:pRg st="2" end="2"/>
+                                            </p:txEl>
+                                          </p:spTgt>
+                                        </p:tgtEl>
+                                      </p:cBhvr>
+                                    </p:animEffect>
+                                  </p:childTnLst>
+                                </p:cTn>
+                              </p:par>
+                            </p:childTnLst>
+                          </p:cTn>
+                        </p:par>
+                      </p:childTnLst>
+                    </p:cTn>
+                  </p:par>
+                  <p:par>
+                    <p:cTn id="13" fill="hold">
+                      <p:stCondLst>
+                        <p:cond delay="indefinite"/>
+                      </p:stCondLst>
+                      <p:childTnLst>
+                        <p:par>
+                          <p:cTn id="14" fill="hold">
+                            <p:stCondLst>
+                              <p:cond delay="0"/>
+                            </p:stCondLst>
+                            <p:childTnLst>
+                              <p:par>
+                                <p:cTn id="15" presetID="10" presetClass="entr" presetSubtype="0" fill="hold" grpId="0" nodeType="clickEffect">
+                                  <p:stCondLst>
+                                    <p:cond delay="0"/>
+                                  </p:stCondLst>
+                                  <p:childTnLst>
+                                    <p:set>
+                                      <p:cBhvr>
+                                        <p:cTn id="16" dur="1" fill="hold">
+                                          <p:stCondLst>
+                                            <p:cond delay="0"/>
+                                          </p:stCondLst>
+                                        </p:cTn>
+                                        <p:tgtEl>
+                                          <p:spTgt spid="3">
+                                            <p:txEl>
+                                              <p:pRg st="3" end="3"/>
+                                            </p:txEl>
+                                          </p:spTgt>
+                                        </p:tgtEl>
+                                        <p:attrNameLst>
+                                          <p:attrName>style.visibility</p:attrName>
+                                        </p:attrNameLst>
+                                      </p:cBhvr>
+                                      <p:to>
+                                        <p:strVal val="visible"/>
+                                      </p:to>
+                                    </p:set>
+                                    <p:animEffect transition="in" filter="fade">
+                                      <p:cBhvr>
+                                        <p:cTn id="17" dur="500"/>
+                                        <p:tgtEl>
+                                          <p:spTgt spid="3">
+                                            <p:txEl>
+                                              <p:pRg st="3" end="3"/>
+                                            </p:txEl>
+                                          </p:spTgt>
+                                        </p:tgtEl>
+                                      </p:cBhvr>
+                                    </p:animEffect>
+                                  </p:childTnLst>
+                                </p:cTn>
+                              </p:par>
+                            </p:childTnLst>
+                          </p:cTn>
+                        </p:par>
+                      </p:childTnLst>
+                    </p:cTn>
+                  </p:par>
+                  <p:par>
+                    <p:cTn id="18" fill="hold">
+                      <p:stCondLst>
+                        <p:cond delay="indefinite"/>
+                      </p:stCondLst>
+                      <p:childTnLst>
+                        <p:par>
+                          <p:cTn id="19" fill="hold">
+                            <p:stCondLst>
+                              <p:cond delay="0"/>
+                            </p:stCondLst>
+                            <p:childTnLst>
+                              <p:par>
+                                <p:cTn id="20" presetID="10" presetClass="entr" presetSubtype="0" fill="hold" grpId="0" nodeType="clickEffect">
+                                  <p:stCondLst>
+                                    <p:cond delay="0"/>
+                                  </p:stCondLst>
+                                  <p:childTnLst>
+                                    <p:set>
+                                      <p:cBhvr>
+                                        <p:cTn id="21" dur="1" fill="hold">
+                                          <p:stCondLst>
+                                            <p:cond delay="0"/>
+                                          </p:stCondLst>
+                                        </p:cTn>
+                                        <p:tgtEl>
+                                          <p:spTgt spid="3">
+                                            <p:txEl>
+                                              <p:pRg st="5" end="5"/>
+                                            </p:txEl>
+                                          </p:spTgt>
+                                        </p:tgtEl>
+                                        <p:attrNameLst>
+                                          <p:attrName>style.visibility</p:attrName>
+                                        </p:attrNameLst>
+                                      </p:cBhvr>
+                                      <p:to>
+                                        <p:strVal val="visible"/>
+                                      </p:to>
+                                    </p:set>
+                                    <p:animEffect transition="in" filter="fade">
+                                      <p:cBhvr>
+                                        <p:cTn id="22" dur="500"/>
+                                        <p:tgtEl>
+                                          <p:spTgt spid="3">
+                                            <p:txEl>
+                                              <p:pRg st="5" end="5"/>
+                                            </p:txEl>
+                                          </p:spTgt>
+                                        </p:tgtEl>
+                                      </p:cBhvr>
+                                    </p:animEffect>
+                                  </p:childTnLst>
+                                </p:cTn>
+                              </p:par>
+                            </p:childTnLst>
+                          </p:cTn>
+                        </p:par>
+                      </p:childTnLst>
+                    </p:cTn>
+                  </p:par>
+                  <p:par>
+                    <p:cTn id="23" fill="hold">
+                      <p:stCondLst>
+                        <p:cond delay="indefinite"/>
+                      </p:stCondLst>
+                      <p:childTnLst>
+                        <p:par>
+                          <p:cTn id="24" fill="hold">
+                            <p:stCondLst>
+                              <p:cond delay="0"/>
+                            </p:stCondLst>
+                            <p:childTnLst>
+                              <p:par>
+                                <p:cTn id="25" presetID="10" presetClass="entr" presetSubtype="0" fill="hold" grpId="0" nodeType="clickEffect">
+                                  <p:stCondLst>
+                                    <p:cond delay="0"/>
+                                  </p:stCondLst>
+                                  <p:childTnLst>
+                                    <p:set>
+                                      <p:cBhvr>
+                                        <p:cTn id="26" dur="1" fill="hold">
+                                          <p:stCondLst>
+                                            <p:cond delay="0"/>
+                                          </p:stCondLst>
+                                        </p:cTn>
+                                        <p:tgtEl>
+                                          <p:spTgt spid="3">
+                                            <p:txEl>
+                                              <p:pRg st="6" end="6"/>
+                                            </p:txEl>
+                                          </p:spTgt>
+                                        </p:tgtEl>
+                                        <p:attrNameLst>
+                                          <p:attrName>style.visibility</p:attrName>
+                                        </p:attrNameLst>
+                                      </p:cBhvr>
+                                      <p:to>
+                                        <p:strVal val="visible"/>
+                                      </p:to>
+                                    </p:set>
+                                    <p:animEffect transition="in" filter="fade">
+                                      <p:cBhvr>
+                                        <p:cTn id="27" dur="500"/>
+                                        <p:tgtEl>
+                                          <p:spTgt spid="3">
+                                            <p:txEl>
+                                              <p:pRg st="6" end="6"/>
+                                            </p:txEl>
+                                          </p:spTgt>
+                                        </p:tgtEl>
+                                      </p:cBhvr>
+                                    </p:animEffect>
+                                  </p:childTnLst>
+                                </p:cTn>
+                              </p:par>
+                            </p:childTnLst>
+                          </p:cTn>
+                        </p:par>
+                      </p:childTnLst>
+                    </p:cTn>
+                  </p:par>
+                </p:childTnLst>
+              </p:cTn>
+              <p:prevCondLst>
+                <p:cond evt="onPrev" delay="0">
+                  <p:tgtEl>
+                    <p:sldTgt/>
+                  </p:tgtEl>
+                </p:cond>
+              </p:prevCondLst>
+              <p:nextCondLst>
+                <p:cond evt="onNext" delay="0">
+                  <p:tgtEl>
+                    <p:sldTgt/>
+                  </p:tgtEl>
+                </p:cond>
+              </p:nextCondLst>
+            </p:seq>
+          </p:childTnLst>
+        </p:cTn>
+      </p:par>
+    </p:tnLst>
+    <p:bldLst>
+      <p:bldP spid="3" grpId="0" build="p"/>
+    </p:bldLst>
+  </p:timing>
 </p:sld>
 </file>
 
@@ -15710,13 +17284,13 @@
   <p:clrMapOvr>
     <a:masterClrMapping/>
   </p:clrMapOvr>
-  <mc:AlternateContent xmlns:mc="http://schemas.openxmlformats.org/markup-compatibility/2006">
-    <mc:Choice xmlns:p14="http://schemas.microsoft.com/office/powerpoint/2010/main" Requires="p14">
+  <mc:AlternateContent xmlns:mc="http://schemas.openxmlformats.org/markup-compatibility/2006" xmlns:p14="http://schemas.microsoft.com/office/powerpoint/2010/main">
+    <mc:Choice Requires="p14">
       <p:transition spd="slow" p14:dur="1600">
         <p14:gallery dir="l"/>
       </p:transition>
     </mc:Choice>
-    <mc:Fallback>
+    <mc:Fallback xmlns="">
       <p:transition spd="slow">
         <p:fade/>
       </p:transition>
@@ -15899,13 +17473,13 @@
   <p:clrMapOvr>
     <a:masterClrMapping/>
   </p:clrMapOvr>
-  <mc:AlternateContent xmlns:mc="http://schemas.openxmlformats.org/markup-compatibility/2006">
-    <mc:Choice xmlns:p14="http://schemas.microsoft.com/office/powerpoint/2010/main" Requires="p14">
+  <mc:AlternateContent xmlns:mc="http://schemas.openxmlformats.org/markup-compatibility/2006" xmlns:p14="http://schemas.microsoft.com/office/powerpoint/2010/main">
+    <mc:Choice Requires="p14">
       <p:transition spd="slow" p14:dur="1600">
         <p14:gallery dir="l"/>
       </p:transition>
     </mc:Choice>
-    <mc:Fallback>
+    <mc:Fallback xmlns="">
       <p:transition spd="slow">
         <p:fade/>
       </p:transition>
@@ -16126,13 +17700,13 @@
   <p:clrMapOvr>
     <a:masterClrMapping/>
   </p:clrMapOvr>
-  <mc:AlternateContent xmlns:mc="http://schemas.openxmlformats.org/markup-compatibility/2006">
-    <mc:Choice xmlns:p14="http://schemas.microsoft.com/office/powerpoint/2010/main" Requires="p14">
+  <mc:AlternateContent xmlns:mc="http://schemas.openxmlformats.org/markup-compatibility/2006" xmlns:p14="http://schemas.microsoft.com/office/powerpoint/2010/main">
+    <mc:Choice Requires="p14">
       <p:transition spd="slow" p14:dur="1600">
         <p14:gallery dir="l"/>
       </p:transition>
     </mc:Choice>
-    <mc:Fallback>
+    <mc:Fallback xmlns="">
       <p:transition spd="slow">
         <p:fade/>
       </p:transition>
@@ -16573,13 +18147,13 @@
   <p:clrMapOvr>
     <a:masterClrMapping/>
   </p:clrMapOvr>
-  <mc:AlternateContent xmlns:mc="http://schemas.openxmlformats.org/markup-compatibility/2006">
-    <mc:Choice xmlns:p14="http://schemas.microsoft.com/office/powerpoint/2010/main" Requires="p14">
+  <mc:AlternateContent xmlns:mc="http://schemas.openxmlformats.org/markup-compatibility/2006" xmlns:p14="http://schemas.microsoft.com/office/powerpoint/2010/main">
+    <mc:Choice Requires="p14">
       <p:transition spd="slow" p14:dur="1600">
         <p14:gallery dir="l"/>
       </p:transition>
     </mc:Choice>
-    <mc:Fallback>
+    <mc:Fallback xmlns="">
       <p:transition spd="slow">
         <p:fade/>
       </p:transition>
@@ -17141,13 +18715,13 @@
   <p:clrMapOvr>
     <a:masterClrMapping/>
   </p:clrMapOvr>
-  <mc:AlternateContent xmlns:mc="http://schemas.openxmlformats.org/markup-compatibility/2006">
-    <mc:Choice xmlns:p14="http://schemas.microsoft.com/office/powerpoint/2010/main" Requires="p14">
+  <mc:AlternateContent xmlns:mc="http://schemas.openxmlformats.org/markup-compatibility/2006" xmlns:p14="http://schemas.microsoft.com/office/powerpoint/2010/main">
+    <mc:Choice Requires="p14">
       <p:transition spd="slow" p14:dur="1600">
         <p14:gallery dir="l"/>
       </p:transition>
     </mc:Choice>
-    <mc:Fallback>
+    <mc:Fallback xmlns="">
       <p:transition spd="slow">
         <p:fade/>
       </p:transition>
@@ -17702,13 +19276,13 @@
   <p:clrMapOvr>
     <a:masterClrMapping/>
   </p:clrMapOvr>
-  <mc:AlternateContent xmlns:mc="http://schemas.openxmlformats.org/markup-compatibility/2006">
-    <mc:Choice xmlns:p14="http://schemas.microsoft.com/office/powerpoint/2010/main" Requires="p14">
+  <mc:AlternateContent xmlns:mc="http://schemas.openxmlformats.org/markup-compatibility/2006" xmlns:p14="http://schemas.microsoft.com/office/powerpoint/2010/main">
+    <mc:Choice Requires="p14">
       <p:transition spd="slow" p14:dur="1600">
         <p14:gallery dir="l"/>
       </p:transition>
     </mc:Choice>
-    <mc:Fallback>
+    <mc:Fallback xmlns="">
       <p:transition spd="slow">
         <p:fade/>
       </p:transition>

--- a/index.pptx
+++ b/index.pptx
@@ -240,7 +240,7 @@
           <a:p>
             <a:fld id="{9F9A982F-7DCF-41BF-923E-274CBF2AC153}" type="datetimeFigureOut">
               <a:rPr lang="zh-CN" altLang="en-US" smtClean="0"/>
-              <a:t>2019/9/17</a:t>
+              <a:t>2019/9/18</a:t>
             </a:fld>
             <a:endParaRPr lang="zh-CN" altLang="en-US"/>
           </a:p>
@@ -1009,7 +1009,7 @@
           <a:p>
             <a:fld id="{9E66956F-FB34-48D3-AB80-9A0A78690187}" type="datetimeFigureOut">
               <a:rPr lang="zh-CN" altLang="en-US" smtClean="0"/>
-              <a:t>2019/9/17</a:t>
+              <a:t>2019/9/18</a:t>
             </a:fld>
             <a:endParaRPr lang="zh-CN" altLang="en-US"/>
           </a:p>
@@ -1167,7 +1167,7 @@
           <a:p>
             <a:fld id="{9E66956F-FB34-48D3-AB80-9A0A78690187}" type="datetimeFigureOut">
               <a:rPr lang="zh-CN" altLang="en-US" smtClean="0"/>
-              <a:t>2019/9/17</a:t>
+              <a:t>2019/9/18</a:t>
             </a:fld>
             <a:endParaRPr lang="zh-CN" altLang="en-US"/>
           </a:p>
@@ -1535,7 +1535,7 @@
           <a:p>
             <a:fld id="{9E66956F-FB34-48D3-AB80-9A0A78690187}" type="datetimeFigureOut">
               <a:rPr lang="zh-CN" altLang="en-US" smtClean="0"/>
-              <a:t>2019/9/17</a:t>
+              <a:t>2019/9/18</a:t>
             </a:fld>
             <a:endParaRPr lang="zh-CN" altLang="en-US"/>
           </a:p>
@@ -16714,7 +16714,7 @@
           <a:p>
             <a:r>
               <a:rPr lang="zh-CN" altLang="en-US" dirty="0"/>
-              <a:t>实验</a:t>
+              <a:t>编译与连接</a:t>
             </a:r>
           </a:p>
         </p:txBody>
@@ -16737,16 +16737,28 @@
         </p:nvSpPr>
         <p:spPr/>
         <p:txBody>
-          <a:bodyPr/>
+          <a:bodyPr>
+            <a:normAutofit/>
+          </a:bodyPr>
           <a:lstStyle/>
           <a:p>
             <a:r>
               <a:rPr lang="zh-CN" altLang="en-US" dirty="0"/>
-              <a:t>库文件的发布与使用</a:t>
+              <a:t>编译：针对一个源文件（加多个头文件）</a:t>
+            </a:r>
+          </a:p>
+          <a:p>
+            <a:r>
+              <a:rPr lang="zh-CN" altLang="en-US" dirty="0"/>
+              <a:t>连接：针对多个目标文件、库文件</a:t>
             </a:r>
             <a:endParaRPr lang="en-US" altLang="zh-CN" dirty="0"/>
           </a:p>
           <a:p>
+            <a:r>
+              <a:rPr lang="zh-CN" altLang="en-US" dirty="0"/>
+              <a:t>库文件：发布与使用</a:t>
+            </a:r>
             <a:endParaRPr lang="en-US" altLang="zh-CN" dirty="0"/>
           </a:p>
           <a:p>
@@ -16758,9 +16770,6 @@
               <a:rPr lang="zh-CN" altLang="en-US" dirty="0"/>
               <a:t>库：</a:t>
             </a:r>
-            <a:endParaRPr lang="en-US" altLang="zh-CN" dirty="0"/>
-          </a:p>
-          <a:p>
             <a:r>
               <a:rPr lang="en-US" altLang="zh-CN" dirty="0"/>
               <a:t>https://</a:t>
@@ -16784,16 +16793,6 @@
             <a:r>
               <a:rPr lang="en-US" altLang="zh-CN" dirty="0" err="1"/>
               <a:t>acllib</a:t>
-            </a:r>
-            <a:endParaRPr lang="en-US" altLang="zh-CN" dirty="0"/>
-          </a:p>
-          <a:p>
-            <a:endParaRPr lang="en-US" altLang="zh-CN" dirty="0"/>
-          </a:p>
-          <a:p>
-            <a:r>
-              <a:rPr lang="zh-CN" altLang="en-US" dirty="0"/>
-              <a:t>示例程序：</a:t>
             </a:r>
             <a:endParaRPr lang="en-US" altLang="zh-CN" dirty="0"/>
           </a:p>
@@ -16949,7 +16948,7 @@
                                         <p:tgtEl>
                                           <p:spTgt spid="3">
                                             <p:txEl>
-                                              <p:pRg st="2" end="2"/>
+                                              <p:pRg st="1" end="1"/>
                                             </p:txEl>
                                           </p:spTgt>
                                         </p:tgtEl>
@@ -16967,7 +16966,7 @@
                                         <p:tgtEl>
                                           <p:spTgt spid="3">
                                             <p:txEl>
-                                              <p:pRg st="2" end="2"/>
+                                              <p:pRg st="1" end="1"/>
                                             </p:txEl>
                                           </p:spTgt>
                                         </p:tgtEl>
@@ -17010,7 +17009,7 @@
                                         <p:tgtEl>
                                           <p:spTgt spid="3">
                                             <p:txEl>
-                                              <p:pRg st="3" end="3"/>
+                                              <p:pRg st="2" end="2"/>
                                             </p:txEl>
                                           </p:spTgt>
                                         </p:tgtEl>
@@ -17028,7 +17027,7 @@
                                         <p:tgtEl>
                                           <p:spTgt spid="3">
                                             <p:txEl>
-                                              <p:pRg st="3" end="3"/>
+                                              <p:pRg st="2" end="2"/>
                                             </p:txEl>
                                           </p:spTgt>
                                         </p:tgtEl>
@@ -17071,7 +17070,7 @@
                                         <p:tgtEl>
                                           <p:spTgt spid="3">
                                             <p:txEl>
-                                              <p:pRg st="5" end="5"/>
+                                              <p:pRg st="3" end="3"/>
                                             </p:txEl>
                                           </p:spTgt>
                                         </p:tgtEl>
@@ -17089,7 +17088,7 @@
                                         <p:tgtEl>
                                           <p:spTgt spid="3">
                                             <p:txEl>
-                                              <p:pRg st="5" end="5"/>
+                                              <p:pRg st="3" end="3"/>
                                             </p:txEl>
                                           </p:spTgt>
                                         </p:tgtEl>
@@ -17132,7 +17131,7 @@
                                         <p:tgtEl>
                                           <p:spTgt spid="3">
                                             <p:txEl>
-                                              <p:pRg st="6" end="6"/>
+                                              <p:pRg st="4" end="4"/>
                                             </p:txEl>
                                           </p:spTgt>
                                         </p:tgtEl>
@@ -17150,7 +17149,7 @@
                                         <p:tgtEl>
                                           <p:spTgt spid="3">
                                             <p:txEl>
-                                              <p:pRg st="6" end="6"/>
+                                              <p:pRg st="4" end="4"/>
                                             </p:txEl>
                                           </p:spTgt>
                                         </p:tgtEl>

--- a/index.pptx
+++ b/index.pptx
@@ -240,7 +240,7 @@
           <a:p>
             <a:fld id="{9F9A982F-7DCF-41BF-923E-274CBF2AC153}" type="datetimeFigureOut">
               <a:rPr lang="zh-CN" altLang="en-US" smtClean="0"/>
-              <a:t>2019/9/18</a:t>
+              <a:t>2019/9/22</a:t>
             </a:fld>
             <a:endParaRPr lang="zh-CN" altLang="en-US"/>
           </a:p>
@@ -1009,7 +1009,7 @@
           <a:p>
             <a:fld id="{9E66956F-FB34-48D3-AB80-9A0A78690187}" type="datetimeFigureOut">
               <a:rPr lang="zh-CN" altLang="en-US" smtClean="0"/>
-              <a:t>2019/9/18</a:t>
+              <a:t>2019/9/22</a:t>
             </a:fld>
             <a:endParaRPr lang="zh-CN" altLang="en-US"/>
           </a:p>
@@ -1167,7 +1167,7 @@
           <a:p>
             <a:fld id="{9E66956F-FB34-48D3-AB80-9A0A78690187}" type="datetimeFigureOut">
               <a:rPr lang="zh-CN" altLang="en-US" smtClean="0"/>
-              <a:t>2019/9/18</a:t>
+              <a:t>2019/9/22</a:t>
             </a:fld>
             <a:endParaRPr lang="zh-CN" altLang="en-US"/>
           </a:p>
@@ -1535,7 +1535,7 @@
           <a:p>
             <a:fld id="{9E66956F-FB34-48D3-AB80-9A0A78690187}" type="datetimeFigureOut">
               <a:rPr lang="zh-CN" altLang="en-US" smtClean="0"/>
-              <a:t>2019/9/18</a:t>
+              <a:t>2019/9/22</a:t>
             </a:fld>
             <a:endParaRPr lang="zh-CN" altLang="en-US"/>
           </a:p>
@@ -16825,7 +16825,14 @@
               <a:rPr lang="en-US" altLang="zh-CN" dirty="0"/>
               <a:t>snake</a:t>
             </a:r>
-            <a:endParaRPr lang="zh-CN" altLang="en-US" dirty="0"/>
+            <a:r>
+              <a:rPr lang="zh-CN" altLang="en-US" dirty="0"/>
+              <a:t>、</a:t>
+            </a:r>
+            <a:r>
+              <a:rPr lang="en-US" altLang="zh-CN" dirty="0"/>
+              <a:t>sprite</a:t>
+            </a:r>
           </a:p>
         </p:txBody>
       </p:sp>

--- a/index.pptx
+++ b/index.pptx
@@ -5,7 +5,7 @@
     <p:sldMasterId id="2147483672" r:id="rId1"/>
   </p:sldMasterIdLst>
   <p:notesMasterIdLst>
-    <p:notesMasterId r:id="rId35"/>
+    <p:notesMasterId r:id="rId37"/>
   </p:notesMasterIdLst>
   <p:sldIdLst>
     <p:sldId id="256" r:id="rId2"/>
@@ -40,7 +40,9 @@
     <p:sldId id="475" r:id="rId31"/>
     <p:sldId id="477" r:id="rId32"/>
     <p:sldId id="478" r:id="rId33"/>
-    <p:sldId id="479" r:id="rId34"/>
+    <p:sldId id="480" r:id="rId34"/>
+    <p:sldId id="481" r:id="rId35"/>
+    <p:sldId id="479" r:id="rId36"/>
   </p:sldIdLst>
   <p:sldSz cx="12192000" cy="6858000"/>
   <p:notesSz cx="6858000" cy="9144000"/>
@@ -240,7 +242,7 @@
           <a:p>
             <a:fld id="{9F9A982F-7DCF-41BF-923E-274CBF2AC153}" type="datetimeFigureOut">
               <a:rPr lang="zh-CN" altLang="en-US" smtClean="0"/>
-              <a:t>2019/9/22</a:t>
+              <a:t>2019/9/24</a:t>
             </a:fld>
             <a:endParaRPr lang="zh-CN" altLang="en-US"/>
           </a:p>
@@ -1009,7 +1011,7 @@
           <a:p>
             <a:fld id="{9E66956F-FB34-48D3-AB80-9A0A78690187}" type="datetimeFigureOut">
               <a:rPr lang="zh-CN" altLang="en-US" smtClean="0"/>
-              <a:t>2019/9/22</a:t>
+              <a:t>2019/9/24</a:t>
             </a:fld>
             <a:endParaRPr lang="zh-CN" altLang="en-US"/>
           </a:p>
@@ -1167,7 +1169,7 @@
           <a:p>
             <a:fld id="{9E66956F-FB34-48D3-AB80-9A0A78690187}" type="datetimeFigureOut">
               <a:rPr lang="zh-CN" altLang="en-US" smtClean="0"/>
-              <a:t>2019/9/22</a:t>
+              <a:t>2019/9/24</a:t>
             </a:fld>
             <a:endParaRPr lang="zh-CN" altLang="en-US"/>
           </a:p>
@@ -1535,7 +1537,7 @@
           <a:p>
             <a:fld id="{9E66956F-FB34-48D3-AB80-9A0A78690187}" type="datetimeFigureOut">
               <a:rPr lang="zh-CN" altLang="en-US" smtClean="0"/>
-              <a:t>2019/9/22</a:t>
+              <a:t>2019/9/24</a:t>
             </a:fld>
             <a:endParaRPr lang="zh-CN" altLang="en-US"/>
           </a:p>
@@ -16675,6 +16677,321 @@
 </file>
 
 <file path=ppt/slides/slide33.xml><?xml version="1.0" encoding="utf-8"?>
+<p:sld xmlns:a="http://schemas.openxmlformats.org/drawingml/2006/main" xmlns:r="http://schemas.openxmlformats.org/officeDocument/2006/relationships" xmlns:p="http://schemas.openxmlformats.org/presentationml/2006/main">
+  <p:cSld>
+    <p:spTree>
+      <p:nvGrpSpPr>
+        <p:cNvPr id="1" name=""/>
+        <p:cNvGrpSpPr/>
+        <p:nvPr/>
+      </p:nvGrpSpPr>
+      <p:grpSpPr>
+        <a:xfrm>
+          <a:off x="0" y="0"/>
+          <a:ext cx="0" cy="0"/>
+          <a:chOff x="0" y="0"/>
+          <a:chExt cx="0" cy="0"/>
+        </a:xfrm>
+      </p:grpSpPr>
+      <p:sp>
+        <p:nvSpPr>
+          <p:cNvPr id="2" name="标题 1">
+            <a:extLst>
+              <a:ext uri="{FF2B5EF4-FFF2-40B4-BE49-F238E27FC236}">
+                <a16:creationId xmlns:a16="http://schemas.microsoft.com/office/drawing/2014/main" id="{90059E92-6AB0-44D4-B6E7-98CA0844371C}"/>
+              </a:ext>
+            </a:extLst>
+          </p:cNvPr>
+          <p:cNvSpPr>
+            <a:spLocks noGrp="1"/>
+          </p:cNvSpPr>
+          <p:nvPr>
+            <p:ph type="title"/>
+          </p:nvPr>
+        </p:nvSpPr>
+        <p:spPr/>
+        <p:txBody>
+          <a:bodyPr/>
+          <a:lstStyle/>
+          <a:p>
+            <a:r>
+              <a:rPr lang="zh-CN" altLang="en-US" dirty="0"/>
+              <a:t>模板</a:t>
+            </a:r>
+          </a:p>
+        </p:txBody>
+      </p:sp>
+      <p:sp>
+        <p:nvSpPr>
+          <p:cNvPr id="3" name="内容占位符 2">
+            <a:extLst>
+              <a:ext uri="{FF2B5EF4-FFF2-40B4-BE49-F238E27FC236}">
+                <a16:creationId xmlns:a16="http://schemas.microsoft.com/office/drawing/2014/main" id="{1982B99C-5C0F-408A-BB89-5779D6B15A52}"/>
+              </a:ext>
+            </a:extLst>
+          </p:cNvPr>
+          <p:cNvSpPr>
+            <a:spLocks noGrp="1"/>
+          </p:cNvSpPr>
+          <p:nvPr>
+            <p:ph idx="1"/>
+          </p:nvPr>
+        </p:nvSpPr>
+        <p:spPr/>
+        <p:txBody>
+          <a:bodyPr>
+            <a:normAutofit/>
+          </a:bodyPr>
+          <a:lstStyle/>
+          <a:p>
+            <a:r>
+              <a:rPr lang="en-US" altLang="zh-CN" dirty="0"/>
+              <a:t>template</a:t>
+            </a:r>
+          </a:p>
+          <a:p>
+            <a:r>
+              <a:rPr lang="zh-CN" altLang="en-US" dirty="0"/>
+              <a:t>函数模板与模板函数</a:t>
+            </a:r>
+          </a:p>
+          <a:p>
+            <a:r>
+              <a:rPr lang="zh-CN" altLang="en-US" dirty="0"/>
+              <a:t>模板函数与重载函数</a:t>
+            </a:r>
+          </a:p>
+          <a:p>
+            <a:r>
+              <a:rPr lang="zh-CN" altLang="en-US" dirty="0"/>
+              <a:t>重载函数的类型匹配</a:t>
+            </a:r>
+          </a:p>
+          <a:p>
+            <a:r>
+              <a:rPr lang="zh-CN" altLang="en-US" dirty="0"/>
+              <a:t>类模板与模板类</a:t>
+            </a:r>
+          </a:p>
+        </p:txBody>
+      </p:sp>
+      <p:sp>
+        <p:nvSpPr>
+          <p:cNvPr id="4" name="内容占位符 3">
+            <a:extLst>
+              <a:ext uri="{FF2B5EF4-FFF2-40B4-BE49-F238E27FC236}">
+                <a16:creationId xmlns:a16="http://schemas.microsoft.com/office/drawing/2014/main" id="{B0639644-8354-4FC5-A351-5D3BCC61AC7A}"/>
+              </a:ext>
+            </a:extLst>
+          </p:cNvPr>
+          <p:cNvSpPr>
+            <a:spLocks noGrp="1"/>
+          </p:cNvSpPr>
+          <p:nvPr>
+            <p:ph idx="13"/>
+          </p:nvPr>
+        </p:nvSpPr>
+        <p:spPr/>
+        <p:txBody>
+          <a:bodyPr/>
+          <a:lstStyle/>
+          <a:p>
+            <a:r>
+              <a:rPr lang="zh-CN" altLang="en-US" dirty="0"/>
+              <a:t>函数模板、类模板：</a:t>
+            </a:r>
+            <a:endParaRPr lang="en-US" altLang="zh-CN" dirty="0"/>
+          </a:p>
+          <a:p>
+            <a:r>
+              <a:rPr lang="en-US" altLang="zh-CN" dirty="0"/>
+              <a:t>——</a:t>
+            </a:r>
+            <a:r>
+              <a:rPr lang="zh-CN" altLang="en-US" dirty="0"/>
+              <a:t>编译时可见</a:t>
+            </a:r>
+            <a:endParaRPr lang="en-US" altLang="zh-CN" dirty="0"/>
+          </a:p>
+          <a:p>
+            <a:endParaRPr lang="en-US" altLang="zh-CN" dirty="0"/>
+          </a:p>
+          <a:p>
+            <a:r>
+              <a:rPr lang="zh-CN" altLang="en-US" dirty="0"/>
+              <a:t>模板函数、模板类</a:t>
+            </a:r>
+            <a:endParaRPr lang="en-US" altLang="zh-CN" dirty="0"/>
+          </a:p>
+          <a:p>
+            <a:r>
+              <a:rPr lang="en-US" altLang="zh-CN" dirty="0"/>
+              <a:t>——</a:t>
+            </a:r>
+            <a:r>
+              <a:rPr lang="zh-CN" altLang="en-US" dirty="0"/>
+              <a:t>运行时可见</a:t>
+            </a:r>
+          </a:p>
+        </p:txBody>
+      </p:sp>
+    </p:spTree>
+    <p:extLst>
+      <p:ext uri="{BB962C8B-B14F-4D97-AF65-F5344CB8AC3E}">
+        <p14:creationId xmlns:p14="http://schemas.microsoft.com/office/powerpoint/2010/main" val="3474906207"/>
+      </p:ext>
+    </p:extLst>
+  </p:cSld>
+  <p:clrMapOvr>
+    <a:masterClrMapping/>
+  </p:clrMapOvr>
+  <mc:AlternateContent xmlns:mc="http://schemas.openxmlformats.org/markup-compatibility/2006" xmlns:p14="http://schemas.microsoft.com/office/powerpoint/2010/main">
+    <mc:Choice Requires="p14">
+      <p:transition spd="slow" p14:dur="1600">
+        <p14:gallery dir="l"/>
+      </p:transition>
+    </mc:Choice>
+    <mc:Fallback xmlns="">
+      <p:transition spd="slow">
+        <p:fade/>
+      </p:transition>
+    </mc:Fallback>
+  </mc:AlternateContent>
+</p:sld>
+</file>
+
+<file path=ppt/slides/slide34.xml><?xml version="1.0" encoding="utf-8"?>
+<p:sld xmlns:a="http://schemas.openxmlformats.org/drawingml/2006/main" xmlns:r="http://schemas.openxmlformats.org/officeDocument/2006/relationships" xmlns:p="http://schemas.openxmlformats.org/presentationml/2006/main">
+  <p:cSld>
+    <p:spTree>
+      <p:nvGrpSpPr>
+        <p:cNvPr id="1" name=""/>
+        <p:cNvGrpSpPr/>
+        <p:nvPr/>
+      </p:nvGrpSpPr>
+      <p:grpSpPr>
+        <a:xfrm>
+          <a:off x="0" y="0"/>
+          <a:ext cx="0" cy="0"/>
+          <a:chOff x="0" y="0"/>
+          <a:chExt cx="0" cy="0"/>
+        </a:xfrm>
+      </p:grpSpPr>
+      <p:sp>
+        <p:nvSpPr>
+          <p:cNvPr id="5" name="标题 4">
+            <a:extLst>
+              <a:ext uri="{FF2B5EF4-FFF2-40B4-BE49-F238E27FC236}">
+                <a16:creationId xmlns:a16="http://schemas.microsoft.com/office/drawing/2014/main" id="{67DAB62B-C4DA-4B9A-92A9-85D0BB5ADCA2}"/>
+              </a:ext>
+            </a:extLst>
+          </p:cNvPr>
+          <p:cNvSpPr>
+            <a:spLocks noGrp="1"/>
+          </p:cNvSpPr>
+          <p:nvPr>
+            <p:ph type="title"/>
+          </p:nvPr>
+        </p:nvSpPr>
+        <p:spPr/>
+        <p:txBody>
+          <a:bodyPr/>
+          <a:lstStyle/>
+          <a:p>
+            <a:r>
+              <a:rPr lang="zh-CN" altLang="en-US" dirty="0"/>
+              <a:t>异常处理</a:t>
+            </a:r>
+          </a:p>
+        </p:txBody>
+      </p:sp>
+      <p:sp>
+        <p:nvSpPr>
+          <p:cNvPr id="6" name="内容占位符 5">
+            <a:extLst>
+              <a:ext uri="{FF2B5EF4-FFF2-40B4-BE49-F238E27FC236}">
+                <a16:creationId xmlns:a16="http://schemas.microsoft.com/office/drawing/2014/main" id="{E4B44BAD-EF08-44A5-8CC8-C48F166428B2}"/>
+              </a:ext>
+            </a:extLst>
+          </p:cNvPr>
+          <p:cNvSpPr>
+            <a:spLocks noGrp="1"/>
+          </p:cNvSpPr>
+          <p:nvPr>
+            <p:ph idx="1"/>
+          </p:nvPr>
+        </p:nvSpPr>
+        <p:spPr/>
+        <p:txBody>
+          <a:bodyPr/>
+          <a:lstStyle/>
+          <a:p>
+            <a:r>
+              <a:rPr lang="en-US" altLang="zh-CN" dirty="0"/>
+              <a:t>exception</a:t>
+            </a:r>
+          </a:p>
+          <a:p>
+            <a:r>
+              <a:rPr lang="zh-CN" altLang="en-US" dirty="0"/>
+              <a:t>异常的发出</a:t>
+            </a:r>
+            <a:endParaRPr lang="en-US" altLang="zh-CN" dirty="0"/>
+          </a:p>
+          <a:p>
+            <a:r>
+              <a:rPr lang="zh-CN" altLang="en-US" dirty="0"/>
+              <a:t>异常的捕获</a:t>
+            </a:r>
+          </a:p>
+          <a:p>
+            <a:r>
+              <a:rPr lang="zh-CN" altLang="en-US" dirty="0"/>
+              <a:t>异常的传递</a:t>
+            </a:r>
+            <a:endParaRPr lang="en-US" altLang="zh-CN" dirty="0"/>
+          </a:p>
+          <a:p>
+            <a:r>
+              <a:rPr lang="zh-CN" altLang="en-US" dirty="0"/>
+              <a:t>异常的类型</a:t>
+            </a:r>
+            <a:endParaRPr lang="en-US" altLang="zh-CN" dirty="0"/>
+          </a:p>
+          <a:p>
+            <a:endParaRPr lang="en-US" altLang="zh-CN" dirty="0"/>
+          </a:p>
+          <a:p>
+            <a:endParaRPr lang="zh-CN" altLang="en-US" dirty="0"/>
+          </a:p>
+        </p:txBody>
+      </p:sp>
+    </p:spTree>
+    <p:extLst>
+      <p:ext uri="{BB962C8B-B14F-4D97-AF65-F5344CB8AC3E}">
+        <p14:creationId xmlns:p14="http://schemas.microsoft.com/office/powerpoint/2010/main" val="3166200031"/>
+      </p:ext>
+    </p:extLst>
+  </p:cSld>
+  <p:clrMapOvr>
+    <a:masterClrMapping/>
+  </p:clrMapOvr>
+  <mc:AlternateContent xmlns:mc="http://schemas.openxmlformats.org/markup-compatibility/2006" xmlns:p14="http://schemas.microsoft.com/office/powerpoint/2010/main">
+    <mc:Choice Requires="p14">
+      <p:transition spd="slow" p14:dur="1600">
+        <p14:gallery dir="l"/>
+      </p:transition>
+    </mc:Choice>
+    <mc:Fallback xmlns="">
+      <p:transition spd="slow">
+        <p:fade/>
+      </p:transition>
+    </mc:Fallback>
+  </mc:AlternateContent>
+</p:sld>
+</file>
+
+<file path=ppt/slides/slide35.xml><?xml version="1.0" encoding="utf-8"?>
 <p:sld xmlns:a="http://schemas.openxmlformats.org/drawingml/2006/main" xmlns:r="http://schemas.openxmlformats.org/officeDocument/2006/relationships" xmlns:p="http://schemas.openxmlformats.org/presentationml/2006/main">
   <p:cSld>
     <p:spTree>

--- a/index.pptx
+++ b/index.pptx
@@ -5,7 +5,7 @@
     <p:sldMasterId id="2147483672" r:id="rId1"/>
   </p:sldMasterIdLst>
   <p:notesMasterIdLst>
-    <p:notesMasterId r:id="rId37"/>
+    <p:notesMasterId r:id="rId40"/>
   </p:notesMasterIdLst>
   <p:sldIdLst>
     <p:sldId id="256" r:id="rId2"/>
@@ -43,6 +43,9 @@
     <p:sldId id="480" r:id="rId34"/>
     <p:sldId id="481" r:id="rId35"/>
     <p:sldId id="479" r:id="rId36"/>
+    <p:sldId id="482" r:id="rId37"/>
+    <p:sldId id="485" r:id="rId38"/>
+    <p:sldId id="484" r:id="rId39"/>
   </p:sldIdLst>
   <p:sldSz cx="12192000" cy="6858000"/>
   <p:notesSz cx="6858000" cy="9144000"/>
@@ -242,7 +245,7 @@
           <a:p>
             <a:fld id="{9F9A982F-7DCF-41BF-923E-274CBF2AC153}" type="datetimeFigureOut">
               <a:rPr lang="zh-CN" altLang="en-US" smtClean="0"/>
-              <a:t>2019/9/24</a:t>
+              <a:t>2019/9/30</a:t>
             </a:fld>
             <a:endParaRPr lang="zh-CN" altLang="en-US"/>
           </a:p>
@@ -1011,7 +1014,7 @@
           <a:p>
             <a:fld id="{9E66956F-FB34-48D3-AB80-9A0A78690187}" type="datetimeFigureOut">
               <a:rPr lang="zh-CN" altLang="en-US" smtClean="0"/>
-              <a:t>2019/9/24</a:t>
+              <a:t>2019/9/30</a:t>
             </a:fld>
             <a:endParaRPr lang="zh-CN" altLang="en-US"/>
           </a:p>
@@ -1169,7 +1172,7 @@
           <a:p>
             <a:fld id="{9E66956F-FB34-48D3-AB80-9A0A78690187}" type="datetimeFigureOut">
               <a:rPr lang="zh-CN" altLang="en-US" smtClean="0"/>
-              <a:t>2019/9/24</a:t>
+              <a:t>2019/9/30</a:t>
             </a:fld>
             <a:endParaRPr lang="zh-CN" altLang="en-US"/>
           </a:p>
@@ -1537,7 +1540,7 @@
           <a:p>
             <a:fld id="{9E66956F-FB34-48D3-AB80-9A0A78690187}" type="datetimeFigureOut">
               <a:rPr lang="zh-CN" altLang="en-US" smtClean="0"/>
-              <a:t>2019/9/24</a:t>
+              <a:t>2019/9/30</a:t>
             </a:fld>
             <a:endParaRPr lang="zh-CN" altLang="en-US"/>
           </a:p>
@@ -17513,6 +17516,636 @@
       <p:bldP spid="3" grpId="0" build="p"/>
     </p:bldLst>
   </p:timing>
+</p:sld>
+</file>
+
+<file path=ppt/slides/slide36.xml><?xml version="1.0" encoding="utf-8"?>
+<p:sld xmlns:a="http://schemas.openxmlformats.org/drawingml/2006/main" xmlns:r="http://schemas.openxmlformats.org/officeDocument/2006/relationships" xmlns:p="http://schemas.openxmlformats.org/presentationml/2006/main">
+  <p:cSld>
+    <p:spTree>
+      <p:nvGrpSpPr>
+        <p:cNvPr id="1" name=""/>
+        <p:cNvGrpSpPr/>
+        <p:nvPr/>
+      </p:nvGrpSpPr>
+      <p:grpSpPr>
+        <a:xfrm>
+          <a:off x="0" y="0"/>
+          <a:ext cx="0" cy="0"/>
+          <a:chOff x="0" y="0"/>
+          <a:chExt cx="0" cy="0"/>
+        </a:xfrm>
+      </p:grpSpPr>
+      <p:sp>
+        <p:nvSpPr>
+          <p:cNvPr id="2" name="标题 1">
+            <a:extLst>
+              <a:ext uri="{FF2B5EF4-FFF2-40B4-BE49-F238E27FC236}">
+                <a16:creationId xmlns:a16="http://schemas.microsoft.com/office/drawing/2014/main" id="{75B88CFA-9AD4-4D8A-BB41-C8A5D2FE8AE5}"/>
+              </a:ext>
+            </a:extLst>
+          </p:cNvPr>
+          <p:cNvSpPr>
+            <a:spLocks noGrp="1"/>
+          </p:cNvSpPr>
+          <p:nvPr>
+            <p:ph type="title"/>
+          </p:nvPr>
+        </p:nvSpPr>
+        <p:spPr/>
+        <p:txBody>
+          <a:bodyPr/>
+          <a:lstStyle/>
+          <a:p>
+            <a:r>
+              <a:rPr lang="zh-CN" altLang="en-US" dirty="0"/>
+              <a:t>实验内容</a:t>
+            </a:r>
+          </a:p>
+        </p:txBody>
+      </p:sp>
+      <p:sp>
+        <p:nvSpPr>
+          <p:cNvPr id="3" name="内容占位符 2">
+            <a:extLst>
+              <a:ext uri="{FF2B5EF4-FFF2-40B4-BE49-F238E27FC236}">
+                <a16:creationId xmlns:a16="http://schemas.microsoft.com/office/drawing/2014/main" id="{81476DB5-AD03-43BC-A620-0EF0A7553914}"/>
+              </a:ext>
+            </a:extLst>
+          </p:cNvPr>
+          <p:cNvSpPr>
+            <a:spLocks noGrp="1"/>
+          </p:cNvSpPr>
+          <p:nvPr>
+            <p:ph idx="1"/>
+          </p:nvPr>
+        </p:nvSpPr>
+        <p:spPr/>
+        <p:txBody>
+          <a:bodyPr>
+            <a:normAutofit/>
+          </a:bodyPr>
+          <a:lstStyle/>
+          <a:p>
+            <a:r>
+              <a:rPr lang="zh-CN" altLang="en-US" dirty="0"/>
+              <a:t>实验分四关，任选一关攻克：</a:t>
+            </a:r>
+            <a:endParaRPr lang="en-US" altLang="zh-CN" dirty="0"/>
+          </a:p>
+          <a:p>
+            <a:r>
+              <a:rPr lang="zh-CN" altLang="en-US" dirty="0"/>
+              <a:t>第一关  封装（满分：</a:t>
+            </a:r>
+            <a:r>
+              <a:rPr lang="en-US" altLang="zh-CN" dirty="0"/>
+              <a:t>30</a:t>
+            </a:r>
+            <a:r>
+              <a:rPr lang="zh-CN" altLang="en-US" dirty="0"/>
+              <a:t>分）</a:t>
+            </a:r>
+            <a:endParaRPr lang="en-US" altLang="zh-CN" dirty="0"/>
+          </a:p>
+          <a:p>
+            <a:r>
+              <a:rPr lang="zh-CN" altLang="en-US" dirty="0"/>
+              <a:t>第二关  封装</a:t>
+            </a:r>
+            <a:r>
+              <a:rPr lang="en-US" altLang="zh-CN" dirty="0"/>
+              <a:t>+</a:t>
+            </a:r>
+            <a:r>
+              <a:rPr lang="zh-CN" altLang="en-US" dirty="0"/>
+              <a:t>继承（满分：</a:t>
+            </a:r>
+            <a:r>
+              <a:rPr lang="en-US" altLang="zh-CN" dirty="0"/>
+              <a:t>50</a:t>
+            </a:r>
+            <a:r>
+              <a:rPr lang="zh-CN" altLang="en-US" dirty="0"/>
+              <a:t>分）</a:t>
+            </a:r>
+            <a:endParaRPr lang="en-US" altLang="zh-CN" dirty="0"/>
+          </a:p>
+          <a:p>
+            <a:r>
+              <a:rPr lang="zh-CN" altLang="en-US" dirty="0"/>
+              <a:t>第三关  封装</a:t>
+            </a:r>
+            <a:r>
+              <a:rPr lang="en-US" altLang="zh-CN" dirty="0"/>
+              <a:t>+</a:t>
+            </a:r>
+            <a:r>
+              <a:rPr lang="zh-CN" altLang="en-US" dirty="0"/>
+              <a:t>继承</a:t>
+            </a:r>
+            <a:r>
+              <a:rPr lang="en-US" altLang="zh-CN" dirty="0"/>
+              <a:t>+</a:t>
+            </a:r>
+            <a:r>
+              <a:rPr lang="zh-CN" altLang="en-US" dirty="0"/>
+              <a:t>多态（满分：</a:t>
+            </a:r>
+            <a:r>
+              <a:rPr lang="en-US" altLang="zh-CN" dirty="0"/>
+              <a:t>70</a:t>
+            </a:r>
+            <a:r>
+              <a:rPr lang="zh-CN" altLang="en-US" dirty="0"/>
+              <a:t>分）</a:t>
+            </a:r>
+            <a:endParaRPr lang="en-US" altLang="zh-CN" dirty="0"/>
+          </a:p>
+          <a:p>
+            <a:r>
+              <a:rPr lang="zh-CN" altLang="en-US" dirty="0"/>
+              <a:t>第四关  封装</a:t>
+            </a:r>
+            <a:r>
+              <a:rPr lang="en-US" altLang="zh-CN" dirty="0"/>
+              <a:t>+</a:t>
+            </a:r>
+            <a:r>
+              <a:rPr lang="zh-CN" altLang="en-US" dirty="0"/>
+              <a:t>继承</a:t>
+            </a:r>
+            <a:r>
+              <a:rPr lang="en-US" altLang="zh-CN" dirty="0"/>
+              <a:t>+</a:t>
+            </a:r>
+            <a:r>
+              <a:rPr lang="zh-CN" altLang="en-US" dirty="0"/>
+              <a:t>多态</a:t>
+            </a:r>
+            <a:r>
+              <a:rPr lang="en-US" altLang="zh-CN" dirty="0"/>
+              <a:t>+</a:t>
+            </a:r>
+            <a:r>
+              <a:rPr lang="zh-CN" altLang="en-US" dirty="0"/>
+              <a:t>新增功能（满分：</a:t>
+            </a:r>
+            <a:r>
+              <a:rPr lang="en-US" altLang="zh-CN" dirty="0"/>
+              <a:t>100</a:t>
+            </a:r>
+            <a:r>
+              <a:rPr lang="zh-CN" altLang="en-US" dirty="0"/>
+              <a:t>分）</a:t>
+            </a:r>
+            <a:endParaRPr lang="en-US" altLang="zh-CN" dirty="0"/>
+          </a:p>
+          <a:p>
+            <a:endParaRPr lang="en-US" altLang="zh-CN" dirty="0"/>
+          </a:p>
+          <a:p>
+            <a:r>
+              <a:rPr lang="zh-CN" altLang="en-US" dirty="0"/>
+              <a:t>注：提交代码和实验报告。实验报告中注明选择哪一关，如果选择第四关，注明新增功能。每新增一个功能，总分增加</a:t>
+            </a:r>
+            <a:r>
+              <a:rPr lang="en-US" altLang="zh-CN" dirty="0"/>
+              <a:t>1~10</a:t>
+            </a:r>
+            <a:r>
+              <a:rPr lang="zh-CN" altLang="en-US" dirty="0"/>
+              <a:t>分。</a:t>
+            </a:r>
+            <a:endParaRPr lang="en-US" altLang="zh-CN" dirty="0"/>
+          </a:p>
+          <a:p>
+            <a:endParaRPr lang="en-US" altLang="zh-CN" dirty="0"/>
+          </a:p>
+          <a:p>
+            <a:endParaRPr lang="en-US" altLang="zh-CN" dirty="0"/>
+          </a:p>
+        </p:txBody>
+      </p:sp>
+    </p:spTree>
+    <p:extLst>
+      <p:ext uri="{BB962C8B-B14F-4D97-AF65-F5344CB8AC3E}">
+        <p14:creationId xmlns:p14="http://schemas.microsoft.com/office/powerpoint/2010/main" val="2167366991"/>
+      </p:ext>
+    </p:extLst>
+  </p:cSld>
+  <p:clrMapOvr>
+    <a:masterClrMapping/>
+  </p:clrMapOvr>
+  <mc:AlternateContent xmlns:mc="http://schemas.openxmlformats.org/markup-compatibility/2006" xmlns:p14="http://schemas.microsoft.com/office/powerpoint/2010/main">
+    <mc:Choice Requires="p14">
+      <p:transition spd="slow" p14:dur="1600">
+        <p14:gallery dir="l"/>
+      </p:transition>
+    </mc:Choice>
+    <mc:Fallback xmlns="">
+      <p:transition spd="slow">
+        <p:fade/>
+      </p:transition>
+    </mc:Fallback>
+  </mc:AlternateContent>
+</p:sld>
+</file>
+
+<file path=ppt/slides/slide37.xml><?xml version="1.0" encoding="utf-8"?>
+<p:sld xmlns:a="http://schemas.openxmlformats.org/drawingml/2006/main" xmlns:r="http://schemas.openxmlformats.org/officeDocument/2006/relationships" xmlns:p="http://schemas.openxmlformats.org/presentationml/2006/main">
+  <p:cSld>
+    <p:spTree>
+      <p:nvGrpSpPr>
+        <p:cNvPr id="1" name=""/>
+        <p:cNvGrpSpPr/>
+        <p:nvPr/>
+      </p:nvGrpSpPr>
+      <p:grpSpPr>
+        <a:xfrm>
+          <a:off x="0" y="0"/>
+          <a:ext cx="0" cy="0"/>
+          <a:chOff x="0" y="0"/>
+          <a:chExt cx="0" cy="0"/>
+        </a:xfrm>
+      </p:grpSpPr>
+      <p:sp>
+        <p:nvSpPr>
+          <p:cNvPr id="2" name="标题 1">
+            <a:extLst>
+              <a:ext uri="{FF2B5EF4-FFF2-40B4-BE49-F238E27FC236}">
+                <a16:creationId xmlns:a16="http://schemas.microsoft.com/office/drawing/2014/main" id="{0131BBB8-92A3-48DD-B64B-95DBED091124}"/>
+              </a:ext>
+            </a:extLst>
+          </p:cNvPr>
+          <p:cNvSpPr>
+            <a:spLocks noGrp="1"/>
+          </p:cNvSpPr>
+          <p:nvPr>
+            <p:ph type="title"/>
+          </p:nvPr>
+        </p:nvSpPr>
+        <p:spPr/>
+        <p:txBody>
+          <a:bodyPr/>
+          <a:lstStyle/>
+          <a:p>
+            <a:r>
+              <a:rPr lang="zh-CN" altLang="en-US" dirty="0"/>
+              <a:t>实验内容</a:t>
+            </a:r>
+          </a:p>
+        </p:txBody>
+      </p:sp>
+      <p:sp>
+        <p:nvSpPr>
+          <p:cNvPr id="3" name="内容占位符 2">
+            <a:extLst>
+              <a:ext uri="{FF2B5EF4-FFF2-40B4-BE49-F238E27FC236}">
+                <a16:creationId xmlns:a16="http://schemas.microsoft.com/office/drawing/2014/main" id="{471A70CE-C709-486D-8BE5-11B2415D50E8}"/>
+              </a:ext>
+            </a:extLst>
+          </p:cNvPr>
+          <p:cNvSpPr>
+            <a:spLocks noGrp="1"/>
+          </p:cNvSpPr>
+          <p:nvPr>
+            <p:ph idx="1"/>
+          </p:nvPr>
+        </p:nvSpPr>
+        <p:spPr/>
+        <p:txBody>
+          <a:bodyPr/>
+          <a:lstStyle/>
+          <a:p>
+            <a:r>
+              <a:rPr lang="zh-CN" altLang="en-US" dirty="0"/>
+              <a:t>参考代码下载地址：</a:t>
+            </a:r>
+            <a:endParaRPr lang="en-US" altLang="zh-CN" dirty="0"/>
+          </a:p>
+          <a:p>
+            <a:r>
+              <a:rPr lang="en-US" altLang="zh-CN" dirty="0"/>
+              <a:t>https://</a:t>
+            </a:r>
+            <a:r>
+              <a:rPr lang="en-US" altLang="zh-CN" dirty="0" err="1"/>
+              <a:t>github.com</a:t>
+            </a:r>
+            <a:r>
+              <a:rPr lang="en-US" altLang="zh-CN" dirty="0"/>
+              <a:t>/</a:t>
+            </a:r>
+            <a:r>
+              <a:rPr lang="en-US" altLang="zh-CN" dirty="0" err="1"/>
+              <a:t>misterfishing</a:t>
+            </a:r>
+            <a:r>
+              <a:rPr lang="en-US" altLang="zh-CN" dirty="0"/>
+              <a:t>/</a:t>
+            </a:r>
+            <a:r>
+              <a:rPr lang="en-US" altLang="zh-CN" dirty="0" err="1"/>
+              <a:t>cpp</a:t>
+            </a:r>
+            <a:endParaRPr lang="en-US" altLang="zh-CN" dirty="0"/>
+          </a:p>
+          <a:p>
+            <a:r>
+              <a:rPr lang="en-US" altLang="zh-CN" dirty="0"/>
+              <a:t>sprite &gt; encapsulation / inheritance / polymorphism</a:t>
+            </a:r>
+          </a:p>
+          <a:p>
+            <a:endParaRPr lang="en-US" altLang="zh-CN" dirty="0"/>
+          </a:p>
+          <a:p>
+            <a:r>
+              <a:rPr lang="zh-CN" altLang="en-US" dirty="0"/>
+              <a:t>参考代码编译环境：</a:t>
+            </a:r>
+            <a:endParaRPr lang="en-US" altLang="zh-CN" dirty="0"/>
+          </a:p>
+          <a:p>
+            <a:r>
+              <a:rPr lang="en-US" altLang="zh-CN" dirty="0"/>
+              <a:t>https://</a:t>
+            </a:r>
+            <a:r>
+              <a:rPr lang="en-US" altLang="zh-CN" dirty="0" err="1"/>
+              <a:t>sourceforge.net</a:t>
+            </a:r>
+            <a:r>
+              <a:rPr lang="en-US" altLang="zh-CN" dirty="0"/>
+              <a:t>/projects/</a:t>
+            </a:r>
+            <a:r>
+              <a:rPr lang="en-US" altLang="zh-CN" dirty="0" err="1"/>
+              <a:t>mingw-w64</a:t>
+            </a:r>
+            <a:r>
+              <a:rPr lang="en-US" altLang="zh-CN" dirty="0"/>
+              <a:t>/</a:t>
+            </a:r>
+          </a:p>
+          <a:p>
+            <a:r>
+              <a:rPr lang="en-US" altLang="zh-CN" dirty="0"/>
+              <a:t>Files &gt; MinGW-</a:t>
+            </a:r>
+            <a:r>
+              <a:rPr lang="en-US" altLang="zh-CN" dirty="0" err="1"/>
+              <a:t>W64</a:t>
+            </a:r>
+            <a:r>
+              <a:rPr lang="en-US" altLang="zh-CN" dirty="0"/>
+              <a:t> GCC-8.1.0 &gt; </a:t>
+            </a:r>
+            <a:r>
+              <a:rPr lang="en-US" altLang="zh-CN" dirty="0" err="1"/>
+              <a:t>i686</a:t>
+            </a:r>
+            <a:r>
+              <a:rPr lang="en-US" altLang="zh-CN" dirty="0"/>
+              <a:t>-</a:t>
+            </a:r>
+            <a:r>
+              <a:rPr lang="en-US" altLang="zh-CN" dirty="0" err="1"/>
+              <a:t>win32</a:t>
+            </a:r>
+            <a:r>
+              <a:rPr lang="en-US" altLang="zh-CN" dirty="0"/>
+              <a:t>-dwarf</a:t>
+            </a:r>
+          </a:p>
+          <a:p>
+            <a:endParaRPr lang="zh-CN" altLang="en-US" dirty="0"/>
+          </a:p>
+        </p:txBody>
+      </p:sp>
+    </p:spTree>
+    <p:extLst>
+      <p:ext uri="{BB962C8B-B14F-4D97-AF65-F5344CB8AC3E}">
+        <p14:creationId xmlns:p14="http://schemas.microsoft.com/office/powerpoint/2010/main" val="2489234670"/>
+      </p:ext>
+    </p:extLst>
+  </p:cSld>
+  <p:clrMapOvr>
+    <a:masterClrMapping/>
+  </p:clrMapOvr>
+  <mc:AlternateContent xmlns:mc="http://schemas.openxmlformats.org/markup-compatibility/2006" xmlns:p14="http://schemas.microsoft.com/office/powerpoint/2010/main">
+    <mc:Choice Requires="p14">
+      <p:transition spd="slow" p14:dur="1600">
+        <p14:gallery dir="l"/>
+      </p:transition>
+    </mc:Choice>
+    <mc:Fallback xmlns="">
+      <p:transition spd="slow">
+        <p:fade/>
+      </p:transition>
+    </mc:Fallback>
+  </mc:AlternateContent>
+</p:sld>
+</file>
+
+<file path=ppt/slides/slide38.xml><?xml version="1.0" encoding="utf-8"?>
+<p:sld xmlns:a="http://schemas.openxmlformats.org/drawingml/2006/main" xmlns:r="http://schemas.openxmlformats.org/officeDocument/2006/relationships" xmlns:p="http://schemas.openxmlformats.org/presentationml/2006/main">
+  <p:cSld>
+    <p:spTree>
+      <p:nvGrpSpPr>
+        <p:cNvPr id="1" name=""/>
+        <p:cNvGrpSpPr/>
+        <p:nvPr/>
+      </p:nvGrpSpPr>
+      <p:grpSpPr>
+        <a:xfrm>
+          <a:off x="0" y="0"/>
+          <a:ext cx="0" cy="0"/>
+          <a:chOff x="0" y="0"/>
+          <a:chExt cx="0" cy="0"/>
+        </a:xfrm>
+      </p:grpSpPr>
+      <p:sp>
+        <p:nvSpPr>
+          <p:cNvPr id="2" name="标题 1">
+            <a:extLst>
+              <a:ext uri="{FF2B5EF4-FFF2-40B4-BE49-F238E27FC236}">
+                <a16:creationId xmlns:a16="http://schemas.microsoft.com/office/drawing/2014/main" id="{55F8C330-6237-403A-AC10-58C2F576CEFF}"/>
+              </a:ext>
+            </a:extLst>
+          </p:cNvPr>
+          <p:cNvSpPr>
+            <a:spLocks noGrp="1"/>
+          </p:cNvSpPr>
+          <p:nvPr>
+            <p:ph type="title"/>
+          </p:nvPr>
+        </p:nvSpPr>
+        <p:spPr/>
+        <p:txBody>
+          <a:bodyPr/>
+          <a:lstStyle/>
+          <a:p>
+            <a:r>
+              <a:rPr lang="zh-CN" altLang="en-US" dirty="0"/>
+              <a:t>实验内容</a:t>
+            </a:r>
+          </a:p>
+        </p:txBody>
+      </p:sp>
+      <p:sp>
+        <p:nvSpPr>
+          <p:cNvPr id="3" name="内容占位符 2">
+            <a:extLst>
+              <a:ext uri="{FF2B5EF4-FFF2-40B4-BE49-F238E27FC236}">
+                <a16:creationId xmlns:a16="http://schemas.microsoft.com/office/drawing/2014/main" id="{87F7DE6A-8B75-448C-B07A-35EFF9661991}"/>
+              </a:ext>
+            </a:extLst>
+          </p:cNvPr>
+          <p:cNvSpPr>
+            <a:spLocks noGrp="1"/>
+          </p:cNvSpPr>
+          <p:nvPr>
+            <p:ph idx="1"/>
+          </p:nvPr>
+        </p:nvSpPr>
+        <p:spPr/>
+        <p:txBody>
+          <a:bodyPr/>
+          <a:lstStyle/>
+          <a:p>
+            <a:r>
+              <a:rPr lang="zh-CN" altLang="en-US" dirty="0"/>
+              <a:t>注意事项：</a:t>
+            </a:r>
+            <a:endParaRPr lang="en-US" altLang="zh-CN" dirty="0"/>
+          </a:p>
+          <a:p>
+            <a:pPr marL="457200" indent="-457200">
+              <a:buFont typeface="Wingdings" panose="05000000000000000000" pitchFamily="2" charset="2"/>
+              <a:buChar char="Ø"/>
+            </a:pPr>
+            <a:r>
+              <a:rPr lang="zh-CN" altLang="en-US" dirty="0"/>
+              <a:t>学习、理解参考代码，然后自己独立编写代码完成实验。</a:t>
+            </a:r>
+            <a:endParaRPr lang="en-US" altLang="zh-CN" dirty="0"/>
+          </a:p>
+          <a:p>
+            <a:pPr marL="457200" indent="-457200">
+              <a:buFont typeface="Wingdings" panose="05000000000000000000" pitchFamily="2" charset="2"/>
+              <a:buChar char="Ø"/>
+            </a:pPr>
+            <a:r>
+              <a:rPr lang="zh-CN" altLang="en-US" dirty="0"/>
+              <a:t>鼓励学习、讨论、借鉴好的思路和方法；禁止拷贝、粘贴代码。</a:t>
+            </a:r>
+            <a:endParaRPr lang="en-US" altLang="zh-CN" dirty="0"/>
+          </a:p>
+          <a:p>
+            <a:pPr marL="457200" indent="-457200">
+              <a:buFont typeface="Wingdings" panose="05000000000000000000" pitchFamily="2" charset="2"/>
+              <a:buChar char="Ø"/>
+            </a:pPr>
+            <a:r>
+              <a:rPr lang="zh-CN" altLang="en-US" dirty="0"/>
+              <a:t>如发现拷贝、粘贴代码的现象，一律扣除相关部分得分。</a:t>
+            </a:r>
+            <a:endParaRPr lang="en-US" altLang="zh-CN" dirty="0"/>
+          </a:p>
+          <a:p>
+            <a:pPr marL="457200" indent="-457200">
+              <a:buFont typeface="Wingdings" panose="05000000000000000000" pitchFamily="2" charset="2"/>
+              <a:buChar char="Ø"/>
+            </a:pPr>
+            <a:r>
+              <a:rPr lang="zh-CN" altLang="en-US" dirty="0"/>
+              <a:t>组队学习，每组</a:t>
+            </a:r>
+            <a:r>
+              <a:rPr lang="en-US" altLang="zh-CN" dirty="0"/>
+              <a:t>4~5</a:t>
+            </a:r>
+            <a:r>
+              <a:rPr lang="zh-CN" altLang="en-US" dirty="0"/>
+              <a:t>人。如果全组成员得分都</a:t>
+            </a:r>
+            <a:r>
+              <a:rPr lang="en-US" altLang="zh-CN" dirty="0"/>
+              <a:t>&gt;80</a:t>
+            </a:r>
+            <a:r>
+              <a:rPr lang="zh-CN" altLang="en-US" dirty="0"/>
+              <a:t>分，则组长获得（小组人数*</a:t>
+            </a:r>
+            <a:r>
+              <a:rPr lang="en-US" altLang="zh-CN" dirty="0"/>
+              <a:t>2</a:t>
+            </a:r>
+            <a:r>
+              <a:rPr lang="zh-CN" altLang="en-US" dirty="0"/>
+              <a:t>）的加分；如果全组成员得分都</a:t>
+            </a:r>
+            <a:r>
+              <a:rPr lang="en-US" altLang="zh-CN" dirty="0"/>
+              <a:t>&gt;60</a:t>
+            </a:r>
+            <a:r>
+              <a:rPr lang="zh-CN" altLang="en-US" dirty="0"/>
+              <a:t>分，则组长获得（小组人数*</a:t>
+            </a:r>
+            <a:r>
+              <a:rPr lang="en-US" altLang="zh-CN" dirty="0"/>
+              <a:t>1</a:t>
+            </a:r>
+            <a:r>
+              <a:rPr lang="zh-CN" altLang="en-US" dirty="0"/>
+              <a:t>）的加分，实验总分不超过</a:t>
+            </a:r>
+            <a:r>
+              <a:rPr lang="en-US" altLang="zh-CN" dirty="0"/>
+              <a:t>100</a:t>
+            </a:r>
+            <a:r>
+              <a:rPr lang="zh-CN" altLang="en-US"/>
+              <a:t>分。</a:t>
+            </a:r>
+            <a:endParaRPr lang="en-US" altLang="zh-CN" dirty="0"/>
+          </a:p>
+          <a:p>
+            <a:endParaRPr lang="en-US" altLang="zh-CN" dirty="0"/>
+          </a:p>
+          <a:p>
+            <a:endParaRPr lang="en-US" altLang="zh-CN" dirty="0"/>
+          </a:p>
+          <a:p>
+            <a:endParaRPr lang="zh-CN" altLang="en-US" dirty="0"/>
+          </a:p>
+        </p:txBody>
+      </p:sp>
+    </p:spTree>
+    <p:extLst>
+      <p:ext uri="{BB962C8B-B14F-4D97-AF65-F5344CB8AC3E}">
+        <p14:creationId xmlns:p14="http://schemas.microsoft.com/office/powerpoint/2010/main" val="1347974836"/>
+      </p:ext>
+    </p:extLst>
+  </p:cSld>
+  <p:clrMapOvr>
+    <a:masterClrMapping/>
+  </p:clrMapOvr>
+  <mc:AlternateContent xmlns:mc="http://schemas.openxmlformats.org/markup-compatibility/2006" xmlns:p14="http://schemas.microsoft.com/office/powerpoint/2010/main">
+    <mc:Choice Requires="p14">
+      <p:transition spd="slow" p14:dur="1600">
+        <p14:gallery dir="l"/>
+      </p:transition>
+    </mc:Choice>
+    <mc:Fallback xmlns="">
+      <p:transition spd="slow">
+        <p:fade/>
+      </p:transition>
+    </mc:Fallback>
+  </mc:AlternateContent>
 </p:sld>
 </file>
 

--- a/index.pptx
+++ b/index.pptx
@@ -245,7 +245,7 @@
           <a:p>
             <a:fld id="{9F9A982F-7DCF-41BF-923E-274CBF2AC153}" type="datetimeFigureOut">
               <a:rPr lang="zh-CN" altLang="en-US" smtClean="0"/>
-              <a:t>2019/9/30</a:t>
+              <a:t>2019/10/21</a:t>
             </a:fld>
             <a:endParaRPr lang="zh-CN" altLang="en-US"/>
           </a:p>
@@ -1014,7 +1014,7 @@
           <a:p>
             <a:fld id="{9E66956F-FB34-48D3-AB80-9A0A78690187}" type="datetimeFigureOut">
               <a:rPr lang="zh-CN" altLang="en-US" smtClean="0"/>
-              <a:t>2019/9/30</a:t>
+              <a:t>2019/10/21</a:t>
             </a:fld>
             <a:endParaRPr lang="zh-CN" altLang="en-US"/>
           </a:p>
@@ -1172,7 +1172,7 @@
           <a:p>
             <a:fld id="{9E66956F-FB34-48D3-AB80-9A0A78690187}" type="datetimeFigureOut">
               <a:rPr lang="zh-CN" altLang="en-US" smtClean="0"/>
-              <a:t>2019/9/30</a:t>
+              <a:t>2019/10/21</a:t>
             </a:fld>
             <a:endParaRPr lang="zh-CN" altLang="en-US"/>
           </a:p>
@@ -1540,7 +1540,7 @@
           <a:p>
             <a:fld id="{9E66956F-FB34-48D3-AB80-9A0A78690187}" type="datetimeFigureOut">
               <a:rPr lang="zh-CN" altLang="en-US" smtClean="0"/>
-              <a:t>2019/9/30</a:t>
+              <a:t>2019/10/21</a:t>
             </a:fld>
             <a:endParaRPr lang="zh-CN" altLang="en-US"/>
           </a:p>
@@ -7745,6 +7745,25 @@
               <a:rPr lang="en-US" altLang="zh-CN" dirty="0"/>
               <a:t>13348869531</a:t>
             </a:r>
+          </a:p>
+          <a:p>
+            <a:r>
+              <a:rPr lang="zh-CN" altLang="en-US" dirty="0"/>
+              <a:t>电子邮箱：</a:t>
+            </a:r>
+            <a:r>
+              <a:rPr lang="en-US" altLang="zh-CN" dirty="0" err="1"/>
+              <a:t>sjyu@uestc.</a:t>
+            </a:r>
+            <a:r>
+              <a:rPr lang="en-US" altLang="zh-CN" err="1"/>
+              <a:t>edu</a:t>
+            </a:r>
+            <a:r>
+              <a:rPr lang="en-US" altLang="zh-CN"/>
+              <a:t>.cn</a:t>
+            </a:r>
+            <a:endParaRPr lang="en-US" altLang="zh-CN" dirty="0"/>
           </a:p>
           <a:p>
             <a:endParaRPr lang="zh-CN" altLang="en-US" dirty="0"/>
